--- a/OPCPP/presentations/02_prezentace_OPR_ukazatele.pptx
+++ b/OPCPP/presentations/02_prezentace_OPR_ukazatele.pptx
@@ -115,29 +115,22 @@
       <p:bold r:id="rId102"/>
     </p:embeddedFont>
     <p:embeddedFont>
-      <p:font typeface="Calibri" panose="020F0502020204030204" pitchFamily="34" charset="0"/>
+      <p:font typeface="Consolas" panose="020B0609020204030204" pitchFamily="49" charset="0"/>
       <p:regular r:id="rId103"/>
       <p:bold r:id="rId104"/>
       <p:italic r:id="rId105"/>
       <p:boldItalic r:id="rId106"/>
     </p:embeddedFont>
     <p:embeddedFont>
-      <p:font typeface="Consolas" panose="020B0609020204030204" pitchFamily="49" charset="0"/>
+      <p:font typeface="Source sans Pro" panose="020B0503030403020204" pitchFamily="34" charset="0"/>
       <p:regular r:id="rId107"/>
       <p:bold r:id="rId108"/>
       <p:italic r:id="rId109"/>
       <p:boldItalic r:id="rId110"/>
     </p:embeddedFont>
     <p:embeddedFont>
-      <p:font typeface="Source sans Pro" panose="020B0503030403020204" pitchFamily="34" charset="0"/>
-      <p:regular r:id="rId111"/>
-      <p:bold r:id="rId112"/>
-      <p:italic r:id="rId113"/>
-      <p:boldItalic r:id="rId114"/>
-    </p:embeddedFont>
-    <p:embeddedFont>
-      <p:font typeface="Source Sans Pro Bold" panose="020B0703030403020204" pitchFamily="34" charset="0"/>
-      <p:bold r:id="rId115"/>
+      <p:font typeface="Source Sans Pro Bold" panose="020B0703030403020204" charset="-18"/>
+      <p:bold r:id="rId111"/>
     </p:embeddedFont>
   </p:embeddedFontLst>
   <p:defaultTextStyle>
@@ -264,867 +257,6 @@
 
 <file path=ppt/changesInfos/changesInfo1.xml><?xml version="1.0" encoding="utf-8"?>
 <pc:chgInfo xmlns:a="http://schemas.openxmlformats.org/drawingml/2006/main" xmlns:r="http://schemas.openxmlformats.org/officeDocument/2006/relationships" xmlns:ac="http://schemas.microsoft.com/office/drawing/2013/main/command" xmlns:pc="http://schemas.microsoft.com/office/powerpoint/2013/main/command">
-  <pc:docChgLst>
-    <pc:chgData name="Erik Král" userId="e92e8e71-05aa-4c44-9728-5ff1a0a20d65" providerId="ADAL" clId="{DC144796-05B1-4D6C-A3D7-AFC9932FDE32}"/>
-    <pc:docChg chg="undo custSel addSld delSld modSld sldOrd">
-      <pc:chgData name="Erik Král" userId="e92e8e71-05aa-4c44-9728-5ff1a0a20d65" providerId="ADAL" clId="{DC144796-05B1-4D6C-A3D7-AFC9932FDE32}" dt="2020-03-25T16:12:55.854" v="3399" actId="114"/>
-      <pc:docMkLst>
-        <pc:docMk/>
-      </pc:docMkLst>
-      <pc:sldChg chg="modSp">
-        <pc:chgData name="Erik Král" userId="e92e8e71-05aa-4c44-9728-5ff1a0a20d65" providerId="ADAL" clId="{DC144796-05B1-4D6C-A3D7-AFC9932FDE32}" dt="2020-03-19T10:14:05.493" v="3013" actId="20577"/>
-        <pc:sldMkLst>
-          <pc:docMk/>
-          <pc:sldMk cId="3410786804" sldId="280"/>
-        </pc:sldMkLst>
-        <pc:spChg chg="mod">
-          <ac:chgData name="Erik Král" userId="e92e8e71-05aa-4c44-9728-5ff1a0a20d65" providerId="ADAL" clId="{DC144796-05B1-4D6C-A3D7-AFC9932FDE32}" dt="2020-03-19T10:14:05.493" v="3013" actId="20577"/>
-          <ac:spMkLst>
-            <pc:docMk/>
-            <pc:sldMk cId="3410786804" sldId="280"/>
-            <ac:spMk id="3" creationId="{00000000-0000-0000-0000-000000000000}"/>
-          </ac:spMkLst>
-        </pc:spChg>
-      </pc:sldChg>
-      <pc:sldChg chg="modSp">
-        <pc:chgData name="Erik Král" userId="e92e8e71-05aa-4c44-9728-5ff1a0a20d65" providerId="ADAL" clId="{DC144796-05B1-4D6C-A3D7-AFC9932FDE32}" dt="2020-03-19T10:20:17.298" v="3292" actId="20577"/>
-        <pc:sldMkLst>
-          <pc:docMk/>
-          <pc:sldMk cId="3851863752" sldId="289"/>
-        </pc:sldMkLst>
-        <pc:spChg chg="mod">
-          <ac:chgData name="Erik Král" userId="e92e8e71-05aa-4c44-9728-5ff1a0a20d65" providerId="ADAL" clId="{DC144796-05B1-4D6C-A3D7-AFC9932FDE32}" dt="2020-03-19T10:20:17.298" v="3292" actId="20577"/>
-          <ac:spMkLst>
-            <pc:docMk/>
-            <pc:sldMk cId="3851863752" sldId="289"/>
-            <ac:spMk id="3" creationId="{BA794B51-B1AE-4AAA-B1B3-860C1642F7F5}"/>
-          </ac:spMkLst>
-        </pc:spChg>
-      </pc:sldChg>
-      <pc:sldChg chg="modSp">
-        <pc:chgData name="Erik Král" userId="e92e8e71-05aa-4c44-9728-5ff1a0a20d65" providerId="ADAL" clId="{DC144796-05B1-4D6C-A3D7-AFC9932FDE32}" dt="2020-03-25T15:07:49.456" v="3398" actId="20577"/>
-        <pc:sldMkLst>
-          <pc:docMk/>
-          <pc:sldMk cId="2076725490" sldId="291"/>
-        </pc:sldMkLst>
-        <pc:spChg chg="mod">
-          <ac:chgData name="Erik Král" userId="e92e8e71-05aa-4c44-9728-5ff1a0a20d65" providerId="ADAL" clId="{DC144796-05B1-4D6C-A3D7-AFC9932FDE32}" dt="2020-03-25T15:07:49.456" v="3398" actId="20577"/>
-          <ac:spMkLst>
-            <pc:docMk/>
-            <pc:sldMk cId="2076725490" sldId="291"/>
-            <ac:spMk id="3" creationId="{B6C62CBC-4977-4BC1-AE25-4CBA0844D76D}"/>
-          </ac:spMkLst>
-        </pc:spChg>
-      </pc:sldChg>
-      <pc:sldChg chg="modSp">
-        <pc:chgData name="Erik Král" userId="e92e8e71-05aa-4c44-9728-5ff1a0a20d65" providerId="ADAL" clId="{DC144796-05B1-4D6C-A3D7-AFC9932FDE32}" dt="2020-03-25T16:12:55.854" v="3399" actId="114"/>
-        <pc:sldMkLst>
-          <pc:docMk/>
-          <pc:sldMk cId="324605791" sldId="377"/>
-        </pc:sldMkLst>
-        <pc:spChg chg="mod">
-          <ac:chgData name="Erik Král" userId="e92e8e71-05aa-4c44-9728-5ff1a0a20d65" providerId="ADAL" clId="{DC144796-05B1-4D6C-A3D7-AFC9932FDE32}" dt="2020-03-25T16:12:55.854" v="3399" actId="114"/>
-          <ac:spMkLst>
-            <pc:docMk/>
-            <pc:sldMk cId="324605791" sldId="377"/>
-            <ac:spMk id="7" creationId="{F104F025-3663-467D-916A-7B24CC0055FD}"/>
-          </ac:spMkLst>
-        </pc:spChg>
-      </pc:sldChg>
-      <pc:sldChg chg="modSp">
-        <pc:chgData name="Erik Král" userId="e92e8e71-05aa-4c44-9728-5ff1a0a20d65" providerId="ADAL" clId="{DC144796-05B1-4D6C-A3D7-AFC9932FDE32}" dt="2020-03-19T10:32:54.785" v="3293" actId="20577"/>
-        <pc:sldMkLst>
-          <pc:docMk/>
-          <pc:sldMk cId="499833969" sldId="379"/>
-        </pc:sldMkLst>
-        <pc:spChg chg="mod">
-          <ac:chgData name="Erik Král" userId="e92e8e71-05aa-4c44-9728-5ff1a0a20d65" providerId="ADAL" clId="{DC144796-05B1-4D6C-A3D7-AFC9932FDE32}" dt="2020-03-19T10:32:54.785" v="3293" actId="20577"/>
-          <ac:spMkLst>
-            <pc:docMk/>
-            <pc:sldMk cId="499833969" sldId="379"/>
-            <ac:spMk id="3" creationId="{35FC1C0B-5822-40C8-A1B5-585453D6CD9B}"/>
-          </ac:spMkLst>
-        </pc:spChg>
-      </pc:sldChg>
-      <pc:sldChg chg="modSp">
-        <pc:chgData name="Erik Král" userId="e92e8e71-05aa-4c44-9728-5ff1a0a20d65" providerId="ADAL" clId="{DC144796-05B1-4D6C-A3D7-AFC9932FDE32}" dt="2020-03-19T10:33:36.367" v="3297" actId="114"/>
-        <pc:sldMkLst>
-          <pc:docMk/>
-          <pc:sldMk cId="1144900693" sldId="385"/>
-        </pc:sldMkLst>
-        <pc:spChg chg="mod">
-          <ac:chgData name="Erik Král" userId="e92e8e71-05aa-4c44-9728-5ff1a0a20d65" providerId="ADAL" clId="{DC144796-05B1-4D6C-A3D7-AFC9932FDE32}" dt="2020-03-19T10:33:36.367" v="3297" actId="114"/>
-          <ac:spMkLst>
-            <pc:docMk/>
-            <pc:sldMk cId="1144900693" sldId="385"/>
-            <ac:spMk id="3" creationId="{B64AD9A6-2DA1-40FB-B7A2-1FA9766088D4}"/>
-          </ac:spMkLst>
-        </pc:spChg>
-      </pc:sldChg>
-      <pc:sldChg chg="addSp delSp modSp add">
-        <pc:chgData name="Erik Král" userId="e92e8e71-05aa-4c44-9728-5ff1a0a20d65" providerId="ADAL" clId="{DC144796-05B1-4D6C-A3D7-AFC9932FDE32}" dt="2020-03-18T18:44:02.921" v="1196" actId="478"/>
-        <pc:sldMkLst>
-          <pc:docMk/>
-          <pc:sldMk cId="3463844869" sldId="400"/>
-        </pc:sldMkLst>
-        <pc:spChg chg="mod">
-          <ac:chgData name="Erik Král" userId="e92e8e71-05aa-4c44-9728-5ff1a0a20d65" providerId="ADAL" clId="{DC144796-05B1-4D6C-A3D7-AFC9932FDE32}" dt="2020-03-18T18:12:39.488" v="1165" actId="27636"/>
-          <ac:spMkLst>
-            <pc:docMk/>
-            <pc:sldMk cId="3463844869" sldId="400"/>
-            <ac:spMk id="2" creationId="{EEA7AB69-2049-4437-9039-09146C9AEAF2}"/>
-          </ac:spMkLst>
-        </pc:spChg>
-        <pc:spChg chg="add del mod">
-          <ac:chgData name="Erik Král" userId="e92e8e71-05aa-4c44-9728-5ff1a0a20d65" providerId="ADAL" clId="{DC144796-05B1-4D6C-A3D7-AFC9932FDE32}" dt="2020-03-18T18:12:58.656" v="1170" actId="478"/>
-          <ac:spMkLst>
-            <pc:docMk/>
-            <pc:sldMk cId="3463844869" sldId="400"/>
-            <ac:spMk id="3" creationId="{A9D81403-7BE1-435D-A462-54361DF3843A}"/>
-          </ac:spMkLst>
-        </pc:spChg>
-        <pc:spChg chg="add del mod">
-          <ac:chgData name="Erik Král" userId="e92e8e71-05aa-4c44-9728-5ff1a0a20d65" providerId="ADAL" clId="{DC144796-05B1-4D6C-A3D7-AFC9932FDE32}" dt="2020-03-18T18:14:22.938" v="1183" actId="478"/>
-          <ac:spMkLst>
-            <pc:docMk/>
-            <pc:sldMk cId="3463844869" sldId="400"/>
-            <ac:spMk id="4" creationId="{53C3CD97-DB6C-4559-9501-F0D85688827A}"/>
-          </ac:spMkLst>
-        </pc:spChg>
-        <pc:spChg chg="add mod">
-          <ac:chgData name="Erik Král" userId="e92e8e71-05aa-4c44-9728-5ff1a0a20d65" providerId="ADAL" clId="{DC144796-05B1-4D6C-A3D7-AFC9932FDE32}" dt="2020-03-18T18:14:45.717" v="1191" actId="404"/>
-          <ac:spMkLst>
-            <pc:docMk/>
-            <pc:sldMk cId="3463844869" sldId="400"/>
-            <ac:spMk id="7" creationId="{EDE71F8D-78A4-4DF8-B31A-6073D6CECE30}"/>
-          </ac:spMkLst>
-        </pc:spChg>
-        <pc:spChg chg="del mod">
-          <ac:chgData name="Erik Král" userId="e92e8e71-05aa-4c44-9728-5ff1a0a20d65" providerId="ADAL" clId="{DC144796-05B1-4D6C-A3D7-AFC9932FDE32}" dt="2020-03-18T18:44:02.921" v="1196" actId="478"/>
-          <ac:spMkLst>
-            <pc:docMk/>
-            <pc:sldMk cId="3463844869" sldId="400"/>
-            <ac:spMk id="9" creationId="{BC670A61-036B-44F4-AE9C-10FC6D63E78D}"/>
-          </ac:spMkLst>
-        </pc:spChg>
-        <pc:spChg chg="del mod">
-          <ac:chgData name="Erik Král" userId="e92e8e71-05aa-4c44-9728-5ff1a0a20d65" providerId="ADAL" clId="{DC144796-05B1-4D6C-A3D7-AFC9932FDE32}" dt="2020-03-18T18:44:02.921" v="1196" actId="478"/>
-          <ac:spMkLst>
-            <pc:docMk/>
-            <pc:sldMk cId="3463844869" sldId="400"/>
-            <ac:spMk id="10" creationId="{1D2D47C0-D201-4BBE-A5E5-0B3BD41A22F6}"/>
-          </ac:spMkLst>
-        </pc:spChg>
-        <pc:spChg chg="del">
-          <ac:chgData name="Erik Král" userId="e92e8e71-05aa-4c44-9728-5ff1a0a20d65" providerId="ADAL" clId="{DC144796-05B1-4D6C-A3D7-AFC9932FDE32}" dt="2020-03-18T18:15:00.619" v="1192" actId="478"/>
-          <ac:spMkLst>
-            <pc:docMk/>
-            <pc:sldMk cId="3463844869" sldId="400"/>
-            <ac:spMk id="12" creationId="{612461D7-DC4A-425F-A9AE-CB1471933BF9}"/>
-          </ac:spMkLst>
-        </pc:spChg>
-        <pc:spChg chg="del">
-          <ac:chgData name="Erik Král" userId="e92e8e71-05aa-4c44-9728-5ff1a0a20d65" providerId="ADAL" clId="{DC144796-05B1-4D6C-A3D7-AFC9932FDE32}" dt="2020-03-18T18:15:00.619" v="1192" actId="478"/>
-          <ac:spMkLst>
-            <pc:docMk/>
-            <pc:sldMk cId="3463844869" sldId="400"/>
-            <ac:spMk id="13" creationId="{FA75918C-3E7B-4A11-B290-A1242D7EEC55}"/>
-          </ac:spMkLst>
-        </pc:spChg>
-        <pc:spChg chg="del">
-          <ac:chgData name="Erik Král" userId="e92e8e71-05aa-4c44-9728-5ff1a0a20d65" providerId="ADAL" clId="{DC144796-05B1-4D6C-A3D7-AFC9932FDE32}" dt="2020-03-18T18:15:00.619" v="1192" actId="478"/>
-          <ac:spMkLst>
-            <pc:docMk/>
-            <pc:sldMk cId="3463844869" sldId="400"/>
-            <ac:spMk id="14" creationId="{E31797FA-DEA6-48A5-AC22-933A2239A647}"/>
-          </ac:spMkLst>
-        </pc:spChg>
-        <pc:spChg chg="del">
-          <ac:chgData name="Erik Král" userId="e92e8e71-05aa-4c44-9728-5ff1a0a20d65" providerId="ADAL" clId="{DC144796-05B1-4D6C-A3D7-AFC9932FDE32}" dt="2020-03-18T18:15:00.619" v="1192" actId="478"/>
-          <ac:spMkLst>
-            <pc:docMk/>
-            <pc:sldMk cId="3463844869" sldId="400"/>
-            <ac:spMk id="15" creationId="{154E8E40-4353-44BB-9F90-DF46C42A1000}"/>
-          </ac:spMkLst>
-        </pc:spChg>
-        <pc:spChg chg="del">
-          <ac:chgData name="Erik Král" userId="e92e8e71-05aa-4c44-9728-5ff1a0a20d65" providerId="ADAL" clId="{DC144796-05B1-4D6C-A3D7-AFC9932FDE32}" dt="2020-03-18T18:15:00.619" v="1192" actId="478"/>
-          <ac:spMkLst>
-            <pc:docMk/>
-            <pc:sldMk cId="3463844869" sldId="400"/>
-            <ac:spMk id="16" creationId="{DA89675A-C1FD-4160-9787-06CB03D992EC}"/>
-          </ac:spMkLst>
-        </pc:spChg>
-        <pc:spChg chg="del">
-          <ac:chgData name="Erik Král" userId="e92e8e71-05aa-4c44-9728-5ff1a0a20d65" providerId="ADAL" clId="{DC144796-05B1-4D6C-A3D7-AFC9932FDE32}" dt="2020-03-18T18:15:00.619" v="1192" actId="478"/>
-          <ac:spMkLst>
-            <pc:docMk/>
-            <pc:sldMk cId="3463844869" sldId="400"/>
-            <ac:spMk id="17" creationId="{B48209AA-A8F2-44E4-91B8-37F03DD3D5AB}"/>
-          </ac:spMkLst>
-        </pc:spChg>
-        <pc:spChg chg="del">
-          <ac:chgData name="Erik Král" userId="e92e8e71-05aa-4c44-9728-5ff1a0a20d65" providerId="ADAL" clId="{DC144796-05B1-4D6C-A3D7-AFC9932FDE32}" dt="2020-03-18T18:12:48.254" v="1166" actId="478"/>
-          <ac:spMkLst>
-            <pc:docMk/>
-            <pc:sldMk cId="3463844869" sldId="400"/>
-            <ac:spMk id="18" creationId="{AA76A1B5-37B6-49C2-A025-9445CC6C76FD}"/>
-          </ac:spMkLst>
-        </pc:spChg>
-        <pc:spChg chg="del mod">
-          <ac:chgData name="Erik Král" userId="e92e8e71-05aa-4c44-9728-5ff1a0a20d65" providerId="ADAL" clId="{DC144796-05B1-4D6C-A3D7-AFC9932FDE32}" dt="2020-03-18T18:44:02.921" v="1196" actId="478"/>
-          <ac:spMkLst>
-            <pc:docMk/>
-            <pc:sldMk cId="3463844869" sldId="400"/>
-            <ac:spMk id="21" creationId="{E61A8C46-6056-423B-9947-94120B074273}"/>
-          </ac:spMkLst>
-        </pc:spChg>
-        <pc:spChg chg="del mod">
-          <ac:chgData name="Erik Král" userId="e92e8e71-05aa-4c44-9728-5ff1a0a20d65" providerId="ADAL" clId="{DC144796-05B1-4D6C-A3D7-AFC9932FDE32}" dt="2020-03-18T18:44:02.921" v="1196" actId="478"/>
-          <ac:spMkLst>
-            <pc:docMk/>
-            <pc:sldMk cId="3463844869" sldId="400"/>
-            <ac:spMk id="22" creationId="{B7E51456-5F44-45C8-91A1-06FF13F98914}"/>
-          </ac:spMkLst>
-        </pc:spChg>
-      </pc:sldChg>
-      <pc:sldChg chg="modSp">
-        <pc:chgData name="Erik Král" userId="e92e8e71-05aa-4c44-9728-5ff1a0a20d65" providerId="ADAL" clId="{DC144796-05B1-4D6C-A3D7-AFC9932FDE32}" dt="2020-03-19T10:34:01.937" v="3299" actId="114"/>
-        <pc:sldMkLst>
-          <pc:docMk/>
-          <pc:sldMk cId="129559525" sldId="438"/>
-        </pc:sldMkLst>
-        <pc:spChg chg="mod">
-          <ac:chgData name="Erik Král" userId="e92e8e71-05aa-4c44-9728-5ff1a0a20d65" providerId="ADAL" clId="{DC144796-05B1-4D6C-A3D7-AFC9932FDE32}" dt="2020-03-19T10:34:01.937" v="3299" actId="114"/>
-          <ac:spMkLst>
-            <pc:docMk/>
-            <pc:sldMk cId="129559525" sldId="438"/>
-            <ac:spMk id="3" creationId="{2A13B025-045B-4D42-A454-3009573A226D}"/>
-          </ac:spMkLst>
-        </pc:spChg>
-      </pc:sldChg>
-      <pc:sldChg chg="modSp">
-        <pc:chgData name="Erik Král" userId="e92e8e71-05aa-4c44-9728-5ff1a0a20d65" providerId="ADAL" clId="{DC144796-05B1-4D6C-A3D7-AFC9932FDE32}" dt="2020-03-19T10:34:36.134" v="3309" actId="20577"/>
-        <pc:sldMkLst>
-          <pc:docMk/>
-          <pc:sldMk cId="4001228765" sldId="440"/>
-        </pc:sldMkLst>
-        <pc:spChg chg="mod">
-          <ac:chgData name="Erik Král" userId="e92e8e71-05aa-4c44-9728-5ff1a0a20d65" providerId="ADAL" clId="{DC144796-05B1-4D6C-A3D7-AFC9932FDE32}" dt="2020-03-19T10:34:36.134" v="3309" actId="20577"/>
-          <ac:spMkLst>
-            <pc:docMk/>
-            <pc:sldMk cId="4001228765" sldId="440"/>
-            <ac:spMk id="3" creationId="{E72C3201-FCE4-439B-A054-29BA826A1C46}"/>
-          </ac:spMkLst>
-        </pc:spChg>
-      </pc:sldChg>
-      <pc:sldChg chg="modSp">
-        <pc:chgData name="Erik Král" userId="e92e8e71-05aa-4c44-9728-5ff1a0a20d65" providerId="ADAL" clId="{DC144796-05B1-4D6C-A3D7-AFC9932FDE32}" dt="2020-03-19T10:35:19.628" v="3386" actId="114"/>
-        <pc:sldMkLst>
-          <pc:docMk/>
-          <pc:sldMk cId="300175808" sldId="441"/>
-        </pc:sldMkLst>
-        <pc:spChg chg="mod">
-          <ac:chgData name="Erik Král" userId="e92e8e71-05aa-4c44-9728-5ff1a0a20d65" providerId="ADAL" clId="{DC144796-05B1-4D6C-A3D7-AFC9932FDE32}" dt="2020-03-19T10:35:19.628" v="3386" actId="114"/>
-          <ac:spMkLst>
-            <pc:docMk/>
-            <pc:sldMk cId="300175808" sldId="441"/>
-            <ac:spMk id="3" creationId="{6D27C0C6-987C-4813-B88B-905675DA6E18}"/>
-          </ac:spMkLst>
-        </pc:spChg>
-      </pc:sldChg>
-      <pc:sldChg chg="modSp">
-        <pc:chgData name="Erik Král" userId="e92e8e71-05aa-4c44-9728-5ff1a0a20d65" providerId="ADAL" clId="{DC144796-05B1-4D6C-A3D7-AFC9932FDE32}" dt="2020-03-18T16:55:48.683" v="147" actId="20577"/>
-        <pc:sldMkLst>
-          <pc:docMk/>
-          <pc:sldMk cId="3193962412" sldId="498"/>
-        </pc:sldMkLst>
-        <pc:spChg chg="mod">
-          <ac:chgData name="Erik Král" userId="e92e8e71-05aa-4c44-9728-5ff1a0a20d65" providerId="ADAL" clId="{DC144796-05B1-4D6C-A3D7-AFC9932FDE32}" dt="2020-03-18T16:55:38.216" v="112" actId="20577"/>
-          <ac:spMkLst>
-            <pc:docMk/>
-            <pc:sldMk cId="3193962412" sldId="498"/>
-            <ac:spMk id="2" creationId="{7ED638ED-4509-4493-B9D3-F94E33401EE0}"/>
-          </ac:spMkLst>
-        </pc:spChg>
-        <pc:spChg chg="mod">
-          <ac:chgData name="Erik Král" userId="e92e8e71-05aa-4c44-9728-5ff1a0a20d65" providerId="ADAL" clId="{DC144796-05B1-4D6C-A3D7-AFC9932FDE32}" dt="2020-03-18T16:55:48.683" v="147" actId="20577"/>
-          <ac:spMkLst>
-            <pc:docMk/>
-            <pc:sldMk cId="3193962412" sldId="498"/>
-            <ac:spMk id="3" creationId="{78F41C16-F83D-4EB5-8AE0-41EBD641759D}"/>
-          </ac:spMkLst>
-        </pc:spChg>
-      </pc:sldChg>
-      <pc:sldChg chg="addSp delSp modSp add">
-        <pc:chgData name="Erik Král" userId="e92e8e71-05aa-4c44-9728-5ff1a0a20d65" providerId="ADAL" clId="{DC144796-05B1-4D6C-A3D7-AFC9932FDE32}" dt="2020-03-18T17:38:36.347" v="989" actId="5793"/>
-        <pc:sldMkLst>
-          <pc:docMk/>
-          <pc:sldMk cId="4279733146" sldId="507"/>
-        </pc:sldMkLst>
-        <pc:spChg chg="del">
-          <ac:chgData name="Erik Král" userId="e92e8e71-05aa-4c44-9728-5ff1a0a20d65" providerId="ADAL" clId="{DC144796-05B1-4D6C-A3D7-AFC9932FDE32}" dt="2020-03-18T16:54:53.803" v="72"/>
-          <ac:spMkLst>
-            <pc:docMk/>
-            <pc:sldMk cId="4279733146" sldId="507"/>
-            <ac:spMk id="2" creationId="{0691A439-F637-406C-98EC-BA6EDF9C1F37}"/>
-          </ac:spMkLst>
-        </pc:spChg>
-        <pc:spChg chg="del">
-          <ac:chgData name="Erik Král" userId="e92e8e71-05aa-4c44-9728-5ff1a0a20d65" providerId="ADAL" clId="{DC144796-05B1-4D6C-A3D7-AFC9932FDE32}" dt="2020-03-18T16:54:53.803" v="72"/>
-          <ac:spMkLst>
-            <pc:docMk/>
-            <pc:sldMk cId="4279733146" sldId="507"/>
-            <ac:spMk id="3" creationId="{9FF75FD3-DA59-4339-9E9E-F3DAC29B2E60}"/>
-          </ac:spMkLst>
-        </pc:spChg>
-        <pc:spChg chg="del">
-          <ac:chgData name="Erik Král" userId="e92e8e71-05aa-4c44-9728-5ff1a0a20d65" providerId="ADAL" clId="{DC144796-05B1-4D6C-A3D7-AFC9932FDE32}" dt="2020-03-18T16:55:04.466" v="93" actId="478"/>
-          <ac:spMkLst>
-            <pc:docMk/>
-            <pc:sldMk cId="4279733146" sldId="507"/>
-            <ac:spMk id="4" creationId="{ACBD65D4-3E2C-4E39-93D8-7E0CA9FE0027}"/>
-          </ac:spMkLst>
-        </pc:spChg>
-        <pc:spChg chg="add mod">
-          <ac:chgData name="Erik Král" userId="e92e8e71-05aa-4c44-9728-5ff1a0a20d65" providerId="ADAL" clId="{DC144796-05B1-4D6C-A3D7-AFC9932FDE32}" dt="2020-03-18T16:55:31.627" v="101" actId="20577"/>
-          <ac:spMkLst>
-            <pc:docMk/>
-            <pc:sldMk cId="4279733146" sldId="507"/>
-            <ac:spMk id="6" creationId="{5F101B16-7C7B-4CD1-AFD5-88E3A86A6D79}"/>
-          </ac:spMkLst>
-        </pc:spChg>
-        <pc:spChg chg="add mod">
-          <ac:chgData name="Erik Král" userId="e92e8e71-05aa-4c44-9728-5ff1a0a20d65" providerId="ADAL" clId="{DC144796-05B1-4D6C-A3D7-AFC9932FDE32}" dt="2020-03-18T17:38:36.347" v="989" actId="5793"/>
-          <ac:spMkLst>
-            <pc:docMk/>
-            <pc:sldMk cId="4279733146" sldId="507"/>
-            <ac:spMk id="7" creationId="{9E075296-49C3-46AE-9858-C607F47D2CCE}"/>
-          </ac:spMkLst>
-        </pc:spChg>
-      </pc:sldChg>
-      <pc:sldChg chg="delSp modSp add">
-        <pc:chgData name="Erik Král" userId="e92e8e71-05aa-4c44-9728-5ff1a0a20d65" providerId="ADAL" clId="{DC144796-05B1-4D6C-A3D7-AFC9932FDE32}" dt="2020-03-19T10:38:23.284" v="3395" actId="20577"/>
-        <pc:sldMkLst>
-          <pc:docMk/>
-          <pc:sldMk cId="1618789620" sldId="508"/>
-        </pc:sldMkLst>
-        <pc:spChg chg="mod">
-          <ac:chgData name="Erik Král" userId="e92e8e71-05aa-4c44-9728-5ff1a0a20d65" providerId="ADAL" clId="{DC144796-05B1-4D6C-A3D7-AFC9932FDE32}" dt="2020-03-18T16:59:39.712" v="644" actId="20577"/>
-          <ac:spMkLst>
-            <pc:docMk/>
-            <pc:sldMk cId="1618789620" sldId="508"/>
-            <ac:spMk id="2" creationId="{7DC58838-C2A3-417B-9952-82BD0892B678}"/>
-          </ac:spMkLst>
-        </pc:spChg>
-        <pc:spChg chg="mod">
-          <ac:chgData name="Erik Král" userId="e92e8e71-05aa-4c44-9728-5ff1a0a20d65" providerId="ADAL" clId="{DC144796-05B1-4D6C-A3D7-AFC9932FDE32}" dt="2020-03-19T10:38:23.284" v="3395" actId="20577"/>
-          <ac:spMkLst>
-            <pc:docMk/>
-            <pc:sldMk cId="1618789620" sldId="508"/>
-            <ac:spMk id="3" creationId="{E02487A0-C3A0-4681-B590-3CDAD1390806}"/>
-          </ac:spMkLst>
-        </pc:spChg>
-        <pc:spChg chg="del">
-          <ac:chgData name="Erik Král" userId="e92e8e71-05aa-4c44-9728-5ff1a0a20d65" providerId="ADAL" clId="{DC144796-05B1-4D6C-A3D7-AFC9932FDE32}" dt="2020-03-18T16:59:47.869" v="645" actId="478"/>
-          <ac:spMkLst>
-            <pc:docMk/>
-            <pc:sldMk cId="1618789620" sldId="508"/>
-            <ac:spMk id="4" creationId="{4F281D22-3749-479E-8DB6-F30CF9CA1BDC}"/>
-          </ac:spMkLst>
-        </pc:spChg>
-      </pc:sldChg>
-      <pc:sldChg chg="addSp delSp modSp add">
-        <pc:chgData name="Erik Král" userId="e92e8e71-05aa-4c44-9728-5ff1a0a20d65" providerId="ADAL" clId="{DC144796-05B1-4D6C-A3D7-AFC9932FDE32}" dt="2020-03-18T18:44:41.543" v="1203" actId="478"/>
-        <pc:sldMkLst>
-          <pc:docMk/>
-          <pc:sldMk cId="941885448" sldId="509"/>
-        </pc:sldMkLst>
-        <pc:spChg chg="add del">
-          <ac:chgData name="Erik Král" userId="e92e8e71-05aa-4c44-9728-5ff1a0a20d65" providerId="ADAL" clId="{DC144796-05B1-4D6C-A3D7-AFC9932FDE32}" dt="2020-03-18T18:44:36.705" v="1202" actId="478"/>
-          <ac:spMkLst>
-            <pc:docMk/>
-            <pc:sldMk cId="941885448" sldId="509"/>
-            <ac:spMk id="6" creationId="{9C413DFC-1812-4627-973D-A7937722D961}"/>
-          </ac:spMkLst>
-        </pc:spChg>
-        <pc:spChg chg="mod">
-          <ac:chgData name="Erik Král" userId="e92e8e71-05aa-4c44-9728-5ff1a0a20d65" providerId="ADAL" clId="{DC144796-05B1-4D6C-A3D7-AFC9932FDE32}" dt="2020-03-18T18:44:14.816" v="1198" actId="207"/>
-          <ac:spMkLst>
-            <pc:docMk/>
-            <pc:sldMk cId="941885448" sldId="509"/>
-            <ac:spMk id="7" creationId="{EDE71F8D-78A4-4DF8-B31A-6073D6CECE30}"/>
-          </ac:spMkLst>
-        </pc:spChg>
-        <pc:spChg chg="mod">
-          <ac:chgData name="Erik Král" userId="e92e8e71-05aa-4c44-9728-5ff1a0a20d65" providerId="ADAL" clId="{DC144796-05B1-4D6C-A3D7-AFC9932FDE32}" dt="2020-03-18T18:44:26.136" v="1200" actId="208"/>
-          <ac:spMkLst>
-            <pc:docMk/>
-            <pc:sldMk cId="941885448" sldId="509"/>
-            <ac:spMk id="9" creationId="{BC670A61-036B-44F4-AE9C-10FC6D63E78D}"/>
-          </ac:spMkLst>
-        </pc:spChg>
-        <pc:spChg chg="mod">
-          <ac:chgData name="Erik Král" userId="e92e8e71-05aa-4c44-9728-5ff1a0a20d65" providerId="ADAL" clId="{DC144796-05B1-4D6C-A3D7-AFC9932FDE32}" dt="2020-03-18T18:44:18.769" v="1199" actId="207"/>
-          <ac:spMkLst>
-            <pc:docMk/>
-            <pc:sldMk cId="941885448" sldId="509"/>
-            <ac:spMk id="10" creationId="{1D2D47C0-D201-4BBE-A5E5-0B3BD41A22F6}"/>
-          </ac:spMkLst>
-        </pc:spChg>
-        <pc:spChg chg="add del">
-          <ac:chgData name="Erik Král" userId="e92e8e71-05aa-4c44-9728-5ff1a0a20d65" providerId="ADAL" clId="{DC144796-05B1-4D6C-A3D7-AFC9932FDE32}" dt="2020-03-18T18:44:41.543" v="1203" actId="478"/>
-          <ac:spMkLst>
-            <pc:docMk/>
-            <pc:sldMk cId="941885448" sldId="509"/>
-            <ac:spMk id="21" creationId="{E61A8C46-6056-423B-9947-94120B074273}"/>
-          </ac:spMkLst>
-        </pc:spChg>
-        <pc:spChg chg="add del">
-          <ac:chgData name="Erik Král" userId="e92e8e71-05aa-4c44-9728-5ff1a0a20d65" providerId="ADAL" clId="{DC144796-05B1-4D6C-A3D7-AFC9932FDE32}" dt="2020-03-18T18:44:41.543" v="1203" actId="478"/>
-          <ac:spMkLst>
-            <pc:docMk/>
-            <pc:sldMk cId="941885448" sldId="509"/>
-            <ac:spMk id="22" creationId="{B7E51456-5F44-45C8-91A1-06FF13F98914}"/>
-          </ac:spMkLst>
-        </pc:spChg>
-      </pc:sldChg>
-      <pc:sldChg chg="add del">
-        <pc:chgData name="Erik Král" userId="e92e8e71-05aa-4c44-9728-5ff1a0a20d65" providerId="ADAL" clId="{DC144796-05B1-4D6C-A3D7-AFC9932FDE32}" dt="2020-03-18T18:11:41.698" v="1163" actId="2696"/>
-        <pc:sldMkLst>
-          <pc:docMk/>
-          <pc:sldMk cId="1518686603" sldId="509"/>
-        </pc:sldMkLst>
-      </pc:sldChg>
-      <pc:sldChg chg="addSp delSp modSp add">
-        <pc:chgData name="Erik Král" userId="e92e8e71-05aa-4c44-9728-5ff1a0a20d65" providerId="ADAL" clId="{DC144796-05B1-4D6C-A3D7-AFC9932FDE32}" dt="2020-03-18T18:46:16.018" v="1216" actId="478"/>
-        <pc:sldMkLst>
-          <pc:docMk/>
-          <pc:sldMk cId="1521583554" sldId="510"/>
-        </pc:sldMkLst>
-        <pc:spChg chg="mod">
-          <ac:chgData name="Erik Král" userId="e92e8e71-05aa-4c44-9728-5ff1a0a20d65" providerId="ADAL" clId="{DC144796-05B1-4D6C-A3D7-AFC9932FDE32}" dt="2020-03-18T18:45:06.192" v="1204" actId="207"/>
-          <ac:spMkLst>
-            <pc:docMk/>
-            <pc:sldMk cId="1521583554" sldId="510"/>
-            <ac:spMk id="7" creationId="{EDE71F8D-78A4-4DF8-B31A-6073D6CECE30}"/>
-          </ac:spMkLst>
-        </pc:spChg>
-        <pc:spChg chg="del">
-          <ac:chgData name="Erik Král" userId="e92e8e71-05aa-4c44-9728-5ff1a0a20d65" providerId="ADAL" clId="{DC144796-05B1-4D6C-A3D7-AFC9932FDE32}" dt="2020-03-18T18:46:16.018" v="1216" actId="478"/>
-          <ac:spMkLst>
-            <pc:docMk/>
-            <pc:sldMk cId="1521583554" sldId="510"/>
-            <ac:spMk id="21" creationId="{E61A8C46-6056-423B-9947-94120B074273}"/>
-          </ac:spMkLst>
-        </pc:spChg>
-        <pc:spChg chg="del">
-          <ac:chgData name="Erik Král" userId="e92e8e71-05aa-4c44-9728-5ff1a0a20d65" providerId="ADAL" clId="{DC144796-05B1-4D6C-A3D7-AFC9932FDE32}" dt="2020-03-18T18:46:16.018" v="1216" actId="478"/>
-          <ac:spMkLst>
-            <pc:docMk/>
-            <pc:sldMk cId="1521583554" sldId="510"/>
-            <ac:spMk id="22" creationId="{B7E51456-5F44-45C8-91A1-06FF13F98914}"/>
-          </ac:spMkLst>
-        </pc:spChg>
-        <pc:cxnChg chg="add mod">
-          <ac:chgData name="Erik Král" userId="e92e8e71-05aa-4c44-9728-5ff1a0a20d65" providerId="ADAL" clId="{DC144796-05B1-4D6C-A3D7-AFC9932FDE32}" dt="2020-03-18T18:45:49.275" v="1212" actId="1076"/>
-          <ac:cxnSpMkLst>
-            <pc:docMk/>
-            <pc:sldMk cId="1521583554" sldId="510"/>
-            <ac:cxnSpMk id="4" creationId="{7009C674-E81F-4603-9A6F-BDF9DBB3DC5F}"/>
-          </ac:cxnSpMkLst>
-        </pc:cxnChg>
-      </pc:sldChg>
-      <pc:sldChg chg="delSp modSp add">
-        <pc:chgData name="Erik Král" userId="e92e8e71-05aa-4c44-9728-5ff1a0a20d65" providerId="ADAL" clId="{DC144796-05B1-4D6C-A3D7-AFC9932FDE32}" dt="2020-03-18T18:47:05.953" v="1226" actId="20577"/>
-        <pc:sldMkLst>
-          <pc:docMk/>
-          <pc:sldMk cId="3444819686" sldId="511"/>
-        </pc:sldMkLst>
-        <pc:spChg chg="mod">
-          <ac:chgData name="Erik Král" userId="e92e8e71-05aa-4c44-9728-5ff1a0a20d65" providerId="ADAL" clId="{DC144796-05B1-4D6C-A3D7-AFC9932FDE32}" dt="2020-03-18T18:46:33.217" v="1218" actId="207"/>
-          <ac:spMkLst>
-            <pc:docMk/>
-            <pc:sldMk cId="3444819686" sldId="511"/>
-            <ac:spMk id="7" creationId="{EDE71F8D-78A4-4DF8-B31A-6073D6CECE30}"/>
-          </ac:spMkLst>
-        </pc:spChg>
-        <pc:spChg chg="mod">
-          <ac:chgData name="Erik Král" userId="e92e8e71-05aa-4c44-9728-5ff1a0a20d65" providerId="ADAL" clId="{DC144796-05B1-4D6C-A3D7-AFC9932FDE32}" dt="2020-03-18T18:46:46.980" v="1222" actId="20577"/>
-          <ac:spMkLst>
-            <pc:docMk/>
-            <pc:sldMk cId="3444819686" sldId="511"/>
-            <ac:spMk id="21" creationId="{E61A8C46-6056-423B-9947-94120B074273}"/>
-          </ac:spMkLst>
-        </pc:spChg>
-        <pc:spChg chg="mod">
-          <ac:chgData name="Erik Král" userId="e92e8e71-05aa-4c44-9728-5ff1a0a20d65" providerId="ADAL" clId="{DC144796-05B1-4D6C-A3D7-AFC9932FDE32}" dt="2020-03-18T18:47:05.953" v="1226" actId="20577"/>
-          <ac:spMkLst>
-            <pc:docMk/>
-            <pc:sldMk cId="3444819686" sldId="511"/>
-            <ac:spMk id="22" creationId="{B7E51456-5F44-45C8-91A1-06FF13F98914}"/>
-          </ac:spMkLst>
-        </pc:spChg>
-        <pc:cxnChg chg="del">
-          <ac:chgData name="Erik Král" userId="e92e8e71-05aa-4c44-9728-5ff1a0a20d65" providerId="ADAL" clId="{DC144796-05B1-4D6C-A3D7-AFC9932FDE32}" dt="2020-03-18T18:46:03.003" v="1214" actId="478"/>
-          <ac:cxnSpMkLst>
-            <pc:docMk/>
-            <pc:sldMk cId="3444819686" sldId="511"/>
-            <ac:cxnSpMk id="4" creationId="{7009C674-E81F-4603-9A6F-BDF9DBB3DC5F}"/>
-          </ac:cxnSpMkLst>
-        </pc:cxnChg>
-      </pc:sldChg>
-      <pc:sldChg chg="addSp modSp add ord">
-        <pc:chgData name="Erik Král" userId="e92e8e71-05aa-4c44-9728-5ff1a0a20d65" providerId="ADAL" clId="{DC144796-05B1-4D6C-A3D7-AFC9932FDE32}" dt="2020-03-18T18:51:48.590" v="1239"/>
-        <pc:sldMkLst>
-          <pc:docMk/>
-          <pc:sldMk cId="754632777" sldId="512"/>
-        </pc:sldMkLst>
-        <pc:spChg chg="mod">
-          <ac:chgData name="Erik Král" userId="e92e8e71-05aa-4c44-9728-5ff1a0a20d65" providerId="ADAL" clId="{DC144796-05B1-4D6C-A3D7-AFC9932FDE32}" dt="2020-03-18T18:47:10.555" v="1228" actId="20577"/>
-          <ac:spMkLst>
-            <pc:docMk/>
-            <pc:sldMk cId="754632777" sldId="512"/>
-            <ac:spMk id="22" creationId="{B7E51456-5F44-45C8-91A1-06FF13F98914}"/>
-          </ac:spMkLst>
-        </pc:spChg>
-        <pc:cxnChg chg="add mod">
-          <ac:chgData name="Erik Král" userId="e92e8e71-05aa-4c44-9728-5ff1a0a20d65" providerId="ADAL" clId="{DC144796-05B1-4D6C-A3D7-AFC9932FDE32}" dt="2020-03-18T18:51:37.226" v="1237" actId="1076"/>
-          <ac:cxnSpMkLst>
-            <pc:docMk/>
-            <pc:sldMk cId="754632777" sldId="512"/>
-            <ac:cxnSpMk id="11" creationId="{9749D948-91B6-4C24-86DA-96EAAB6D6F43}"/>
-          </ac:cxnSpMkLst>
-        </pc:cxnChg>
-        <pc:cxnChg chg="add mod">
-          <ac:chgData name="Erik Král" userId="e92e8e71-05aa-4c44-9728-5ff1a0a20d65" providerId="ADAL" clId="{DC144796-05B1-4D6C-A3D7-AFC9932FDE32}" dt="2020-03-18T18:51:37.226" v="1237" actId="1076"/>
-          <ac:cxnSpMkLst>
-            <pc:docMk/>
-            <pc:sldMk cId="754632777" sldId="512"/>
-            <ac:cxnSpMk id="12" creationId="{3BC92B5D-39C6-41B4-A36B-541BEEC7C40C}"/>
-          </ac:cxnSpMkLst>
-        </pc:cxnChg>
-        <pc:cxnChg chg="add">
-          <ac:chgData name="Erik Král" userId="e92e8e71-05aa-4c44-9728-5ff1a0a20d65" providerId="ADAL" clId="{DC144796-05B1-4D6C-A3D7-AFC9932FDE32}" dt="2020-03-18T18:51:48.590" v="1239"/>
-          <ac:cxnSpMkLst>
-            <pc:docMk/>
-            <pc:sldMk cId="754632777" sldId="512"/>
-            <ac:cxnSpMk id="13" creationId="{43071B1E-3B53-4EDF-AF49-A683023E29BC}"/>
-          </ac:cxnSpMkLst>
-        </pc:cxnChg>
-      </pc:sldChg>
-      <pc:sldChg chg="addSp delSp modSp add">
-        <pc:chgData name="Erik Král" userId="e92e8e71-05aa-4c44-9728-5ff1a0a20d65" providerId="ADAL" clId="{DC144796-05B1-4D6C-A3D7-AFC9932FDE32}" dt="2020-03-18T18:51:46.580" v="1238"/>
-        <pc:sldMkLst>
-          <pc:docMk/>
-          <pc:sldMk cId="971577285" sldId="513"/>
-        </pc:sldMkLst>
-        <pc:spChg chg="mod">
-          <ac:chgData name="Erik Král" userId="e92e8e71-05aa-4c44-9728-5ff1a0a20d65" providerId="ADAL" clId="{DC144796-05B1-4D6C-A3D7-AFC9932FDE32}" dt="2020-03-18T18:50:35.230" v="1230" actId="207"/>
-          <ac:spMkLst>
-            <pc:docMk/>
-            <pc:sldMk cId="971577285" sldId="513"/>
-            <ac:spMk id="7" creationId="{EDE71F8D-78A4-4DF8-B31A-6073D6CECE30}"/>
-          </ac:spMkLst>
-        </pc:spChg>
-        <pc:spChg chg="mod">
-          <ac:chgData name="Erik Král" userId="e92e8e71-05aa-4c44-9728-5ff1a0a20d65" providerId="ADAL" clId="{DC144796-05B1-4D6C-A3D7-AFC9932FDE32}" dt="2020-03-18T18:50:42.382" v="1231" actId="207"/>
-          <ac:spMkLst>
-            <pc:docMk/>
-            <pc:sldMk cId="971577285" sldId="513"/>
-            <ac:spMk id="22" creationId="{B7E51456-5F44-45C8-91A1-06FF13F98914}"/>
-          </ac:spMkLst>
-        </pc:spChg>
-        <pc:cxnChg chg="add del mod">
-          <ac:chgData name="Erik Král" userId="e92e8e71-05aa-4c44-9728-5ff1a0a20d65" providerId="ADAL" clId="{DC144796-05B1-4D6C-A3D7-AFC9932FDE32}" dt="2020-03-18T18:51:46.580" v="1238"/>
-          <ac:cxnSpMkLst>
-            <pc:docMk/>
-            <pc:sldMk cId="971577285" sldId="513"/>
-            <ac:cxnSpMk id="11" creationId="{F2200D30-ACA5-4482-BB06-D655C54092EC}"/>
-          </ac:cxnSpMkLst>
-        </pc:cxnChg>
-      </pc:sldChg>
-      <pc:sldChg chg="delSp modSp add">
-        <pc:chgData name="Erik Král" userId="e92e8e71-05aa-4c44-9728-5ff1a0a20d65" providerId="ADAL" clId="{DC144796-05B1-4D6C-A3D7-AFC9932FDE32}" dt="2020-03-18T18:52:37.816" v="1250" actId="207"/>
-        <pc:sldMkLst>
-          <pc:docMk/>
-          <pc:sldMk cId="363518735" sldId="514"/>
-        </pc:sldMkLst>
-        <pc:spChg chg="mod">
-          <ac:chgData name="Erik Král" userId="e92e8e71-05aa-4c44-9728-5ff1a0a20d65" providerId="ADAL" clId="{DC144796-05B1-4D6C-A3D7-AFC9932FDE32}" dt="2020-03-18T18:52:33.913" v="1249" actId="207"/>
-          <ac:spMkLst>
-            <pc:docMk/>
-            <pc:sldMk cId="363518735" sldId="514"/>
-            <ac:spMk id="7" creationId="{EDE71F8D-78A4-4DF8-B31A-6073D6CECE30}"/>
-          </ac:spMkLst>
-        </pc:spChg>
-        <pc:spChg chg="mod">
-          <ac:chgData name="Erik Král" userId="e92e8e71-05aa-4c44-9728-5ff1a0a20d65" providerId="ADAL" clId="{DC144796-05B1-4D6C-A3D7-AFC9932FDE32}" dt="2020-03-18T18:52:37.816" v="1250" actId="207"/>
-          <ac:spMkLst>
-            <pc:docMk/>
-            <pc:sldMk cId="363518735" sldId="514"/>
-            <ac:spMk id="9" creationId="{BC670A61-036B-44F4-AE9C-10FC6D63E78D}"/>
-          </ac:spMkLst>
-        </pc:spChg>
-        <pc:spChg chg="del">
-          <ac:chgData name="Erik Král" userId="e92e8e71-05aa-4c44-9728-5ff1a0a20d65" providerId="ADAL" clId="{DC144796-05B1-4D6C-A3D7-AFC9932FDE32}" dt="2020-03-18T18:52:11.213" v="1241" actId="478"/>
-          <ac:spMkLst>
-            <pc:docMk/>
-            <pc:sldMk cId="363518735" sldId="514"/>
-            <ac:spMk id="21" creationId="{E61A8C46-6056-423B-9947-94120B074273}"/>
-          </ac:spMkLst>
-        </pc:spChg>
-        <pc:spChg chg="mod">
-          <ac:chgData name="Erik Král" userId="e92e8e71-05aa-4c44-9728-5ff1a0a20d65" providerId="ADAL" clId="{DC144796-05B1-4D6C-A3D7-AFC9932FDE32}" dt="2020-03-18T18:52:14.518" v="1243" actId="20577"/>
-          <ac:spMkLst>
-            <pc:docMk/>
-            <pc:sldMk cId="363518735" sldId="514"/>
-            <ac:spMk id="22" creationId="{B7E51456-5F44-45C8-91A1-06FF13F98914}"/>
-          </ac:spMkLst>
-        </pc:spChg>
-      </pc:sldChg>
-      <pc:sldChg chg="modSp add">
-        <pc:chgData name="Erik Král" userId="e92e8e71-05aa-4c44-9728-5ff1a0a20d65" providerId="ADAL" clId="{DC144796-05B1-4D6C-A3D7-AFC9932FDE32}" dt="2020-03-18T18:53:45.264" v="1275" actId="20577"/>
-        <pc:sldMkLst>
-          <pc:docMk/>
-          <pc:sldMk cId="3772645332" sldId="515"/>
-        </pc:sldMkLst>
-        <pc:spChg chg="mod">
-          <ac:chgData name="Erik Král" userId="e92e8e71-05aa-4c44-9728-5ff1a0a20d65" providerId="ADAL" clId="{DC144796-05B1-4D6C-A3D7-AFC9932FDE32}" dt="2020-03-18T18:53:16.058" v="1262" actId="207"/>
-          <ac:spMkLst>
-            <pc:docMk/>
-            <pc:sldMk cId="3772645332" sldId="515"/>
-            <ac:spMk id="7" creationId="{EDE71F8D-78A4-4DF8-B31A-6073D6CECE30}"/>
-          </ac:spMkLst>
-        </pc:spChg>
-        <pc:spChg chg="mod">
-          <ac:chgData name="Erik Král" userId="e92e8e71-05aa-4c44-9728-5ff1a0a20d65" providerId="ADAL" clId="{DC144796-05B1-4D6C-A3D7-AFC9932FDE32}" dt="2020-03-18T18:53:45.264" v="1275" actId="20577"/>
-          <ac:spMkLst>
-            <pc:docMk/>
-            <pc:sldMk cId="3772645332" sldId="515"/>
-            <ac:spMk id="9" creationId="{BC670A61-036B-44F4-AE9C-10FC6D63E78D}"/>
-          </ac:spMkLst>
-        </pc:spChg>
-        <pc:spChg chg="mod">
-          <ac:chgData name="Erik Král" userId="e92e8e71-05aa-4c44-9728-5ff1a0a20d65" providerId="ADAL" clId="{DC144796-05B1-4D6C-A3D7-AFC9932FDE32}" dt="2020-03-18T18:53:19.308" v="1263" actId="207"/>
-          <ac:spMkLst>
-            <pc:docMk/>
-            <pc:sldMk cId="3772645332" sldId="515"/>
-            <ac:spMk id="21" creationId="{E61A8C46-6056-423B-9947-94120B074273}"/>
-          </ac:spMkLst>
-        </pc:spChg>
-        <pc:spChg chg="mod">
-          <ac:chgData name="Erik Král" userId="e92e8e71-05aa-4c44-9728-5ff1a0a20d65" providerId="ADAL" clId="{DC144796-05B1-4D6C-A3D7-AFC9932FDE32}" dt="2020-03-18T18:53:19.308" v="1263" actId="207"/>
-          <ac:spMkLst>
-            <pc:docMk/>
-            <pc:sldMk cId="3772645332" sldId="515"/>
-            <ac:spMk id="22" creationId="{B7E51456-5F44-45C8-91A1-06FF13F98914}"/>
-          </ac:spMkLst>
-        </pc:spChg>
-      </pc:sldChg>
-      <pc:sldChg chg="delSp modSp add">
-        <pc:chgData name="Erik Král" userId="e92e8e71-05aa-4c44-9728-5ff1a0a20d65" providerId="ADAL" clId="{DC144796-05B1-4D6C-A3D7-AFC9932FDE32}" dt="2020-03-19T10:14:19.237" v="3014"/>
-        <pc:sldMkLst>
-          <pc:docMk/>
-          <pc:sldMk cId="2766031041" sldId="516"/>
-        </pc:sldMkLst>
-        <pc:spChg chg="mod">
-          <ac:chgData name="Erik Král" userId="e92e8e71-05aa-4c44-9728-5ff1a0a20d65" providerId="ADAL" clId="{DC144796-05B1-4D6C-A3D7-AFC9932FDE32}" dt="2020-03-19T10:14:19.237" v="3014"/>
-          <ac:spMkLst>
-            <pc:docMk/>
-            <pc:sldMk cId="2766031041" sldId="516"/>
-            <ac:spMk id="2" creationId="{04FEC1F5-69F8-4B99-A023-9FB0BC7E7969}"/>
-          </ac:spMkLst>
-        </pc:spChg>
-        <pc:spChg chg="mod">
-          <ac:chgData name="Erik Král" userId="e92e8e71-05aa-4c44-9728-5ff1a0a20d65" providerId="ADAL" clId="{DC144796-05B1-4D6C-A3D7-AFC9932FDE32}" dt="2020-03-19T08:44:46.715" v="2259" actId="20577"/>
-          <ac:spMkLst>
-            <pc:docMk/>
-            <pc:sldMk cId="2766031041" sldId="516"/>
-            <ac:spMk id="3" creationId="{2179108C-9991-444B-80F4-D3803C0D2300}"/>
-          </ac:spMkLst>
-        </pc:spChg>
-        <pc:spChg chg="del">
-          <ac:chgData name="Erik Král" userId="e92e8e71-05aa-4c44-9728-5ff1a0a20d65" providerId="ADAL" clId="{DC144796-05B1-4D6C-A3D7-AFC9932FDE32}" dt="2020-03-18T18:55:12.011" v="1330" actId="478"/>
-          <ac:spMkLst>
-            <pc:docMk/>
-            <pc:sldMk cId="2766031041" sldId="516"/>
-            <ac:spMk id="4" creationId="{EB09FFA8-BE6C-4260-ACBC-3766A20527DC}"/>
-          </ac:spMkLst>
-        </pc:spChg>
-      </pc:sldChg>
-      <pc:sldChg chg="add del">
-        <pc:chgData name="Erik Král" userId="e92e8e71-05aa-4c44-9728-5ff1a0a20d65" providerId="ADAL" clId="{DC144796-05B1-4D6C-A3D7-AFC9932FDE32}" dt="2020-03-18T18:53:32.124" v="1266" actId="2696"/>
-        <pc:sldMkLst>
-          <pc:docMk/>
-          <pc:sldMk cId="3250075868" sldId="516"/>
-        </pc:sldMkLst>
-      </pc:sldChg>
-      <pc:sldChg chg="add del">
-        <pc:chgData name="Erik Král" userId="e92e8e71-05aa-4c44-9728-5ff1a0a20d65" providerId="ADAL" clId="{DC144796-05B1-4D6C-A3D7-AFC9932FDE32}" dt="2020-03-18T18:53:27.148" v="1265" actId="2696"/>
-        <pc:sldMkLst>
-          <pc:docMk/>
-          <pc:sldMk cId="696132298" sldId="517"/>
-        </pc:sldMkLst>
-      </pc:sldChg>
-      <pc:sldChg chg="addSp delSp modSp add">
-        <pc:chgData name="Erik Král" userId="e92e8e71-05aa-4c44-9728-5ff1a0a20d65" providerId="ADAL" clId="{DC144796-05B1-4D6C-A3D7-AFC9932FDE32}" dt="2020-03-19T10:14:27.375" v="3016" actId="114"/>
-        <pc:sldMkLst>
-          <pc:docMk/>
-          <pc:sldMk cId="3148744887" sldId="517"/>
-        </pc:sldMkLst>
-        <pc:spChg chg="del">
-          <ac:chgData name="Erik Král" userId="e92e8e71-05aa-4c44-9728-5ff1a0a20d65" providerId="ADAL" clId="{DC144796-05B1-4D6C-A3D7-AFC9932FDE32}" dt="2020-03-18T18:55:20.822" v="1332"/>
-          <ac:spMkLst>
-            <pc:docMk/>
-            <pc:sldMk cId="3148744887" sldId="517"/>
-            <ac:spMk id="2" creationId="{C0AC1BFA-E154-4736-A813-154E2B1E8287}"/>
-          </ac:spMkLst>
-        </pc:spChg>
-        <pc:spChg chg="del">
-          <ac:chgData name="Erik Král" userId="e92e8e71-05aa-4c44-9728-5ff1a0a20d65" providerId="ADAL" clId="{DC144796-05B1-4D6C-A3D7-AFC9932FDE32}" dt="2020-03-18T18:55:20.822" v="1332"/>
-          <ac:spMkLst>
-            <pc:docMk/>
-            <pc:sldMk cId="3148744887" sldId="517"/>
-            <ac:spMk id="3" creationId="{F47B1FBB-FE10-437A-AD36-D17A3EABB65D}"/>
-          </ac:spMkLst>
-        </pc:spChg>
-        <pc:spChg chg="del">
-          <ac:chgData name="Erik Král" userId="e92e8e71-05aa-4c44-9728-5ff1a0a20d65" providerId="ADAL" clId="{DC144796-05B1-4D6C-A3D7-AFC9932FDE32}" dt="2020-03-18T18:55:26.772" v="1333" actId="478"/>
-          <ac:spMkLst>
-            <pc:docMk/>
-            <pc:sldMk cId="3148744887" sldId="517"/>
-            <ac:spMk id="4" creationId="{2CACDDB1-9453-410A-86E6-8691BF47079C}"/>
-          </ac:spMkLst>
-        </pc:spChg>
-        <pc:spChg chg="add mod">
-          <ac:chgData name="Erik Král" userId="e92e8e71-05aa-4c44-9728-5ff1a0a20d65" providerId="ADAL" clId="{DC144796-05B1-4D6C-A3D7-AFC9932FDE32}" dt="2020-03-19T10:14:23.346" v="3015"/>
-          <ac:spMkLst>
-            <pc:docMk/>
-            <pc:sldMk cId="3148744887" sldId="517"/>
-            <ac:spMk id="6" creationId="{E18911F4-6415-493F-8557-906BB0DAEFB6}"/>
-          </ac:spMkLst>
-        </pc:spChg>
-        <pc:spChg chg="add mod">
-          <ac:chgData name="Erik Král" userId="e92e8e71-05aa-4c44-9728-5ff1a0a20d65" providerId="ADAL" clId="{DC144796-05B1-4D6C-A3D7-AFC9932FDE32}" dt="2020-03-19T10:14:27.375" v="3016" actId="114"/>
-          <ac:spMkLst>
-            <pc:docMk/>
-            <pc:sldMk cId="3148744887" sldId="517"/>
-            <ac:spMk id="7" creationId="{CE0E1C2A-F8E4-4378-9E71-E9BF916385FA}"/>
-          </ac:spMkLst>
-        </pc:spChg>
-      </pc:sldChg>
-      <pc:sldChg chg="addSp delSp modSp add">
-        <pc:chgData name="Erik Král" userId="e92e8e71-05aa-4c44-9728-5ff1a0a20d65" providerId="ADAL" clId="{DC144796-05B1-4D6C-A3D7-AFC9932FDE32}" dt="2020-03-19T10:14:33.452" v="3017" actId="114"/>
-        <pc:sldMkLst>
-          <pc:docMk/>
-          <pc:sldMk cId="316200325" sldId="518"/>
-        </pc:sldMkLst>
-        <pc:spChg chg="add del mod">
-          <ac:chgData name="Erik Král" userId="e92e8e71-05aa-4c44-9728-5ff1a0a20d65" providerId="ADAL" clId="{DC144796-05B1-4D6C-A3D7-AFC9932FDE32}" dt="2020-03-19T08:46:37.852" v="2270" actId="478"/>
-          <ac:spMkLst>
-            <pc:docMk/>
-            <pc:sldMk cId="316200325" sldId="518"/>
-            <ac:spMk id="2" creationId="{B7FAD8A1-C023-490C-9584-ED5458048026}"/>
-          </ac:spMkLst>
-        </pc:spChg>
-        <pc:spChg chg="add mod">
-          <ac:chgData name="Erik Král" userId="e92e8e71-05aa-4c44-9728-5ff1a0a20d65" providerId="ADAL" clId="{DC144796-05B1-4D6C-A3D7-AFC9932FDE32}" dt="2020-03-19T08:52:12.340" v="2849" actId="1076"/>
-          <ac:spMkLst>
-            <pc:docMk/>
-            <pc:sldMk cId="316200325" sldId="518"/>
-            <ac:spMk id="3" creationId="{F30D6D40-5D87-4F0C-BC3D-384C43B37BE4}"/>
-          </ac:spMkLst>
-        </pc:spChg>
-        <pc:spChg chg="mod">
-          <ac:chgData name="Erik Král" userId="e92e8e71-05aa-4c44-9728-5ff1a0a20d65" providerId="ADAL" clId="{DC144796-05B1-4D6C-A3D7-AFC9932FDE32}" dt="2020-03-19T10:14:33.452" v="3017" actId="114"/>
-          <ac:spMkLst>
-            <pc:docMk/>
-            <pc:sldMk cId="316200325" sldId="518"/>
-            <ac:spMk id="7" creationId="{CE0E1C2A-F8E4-4378-9E71-E9BF916385FA}"/>
-          </ac:spMkLst>
-        </pc:spChg>
-      </pc:sldChg>
-      <pc:sldChg chg="addSp delSp modSp add">
-        <pc:chgData name="Erik Král" userId="e92e8e71-05aa-4c44-9728-5ff1a0a20d65" providerId="ADAL" clId="{DC144796-05B1-4D6C-A3D7-AFC9932FDE32}" dt="2020-03-19T10:14:38.143" v="3018" actId="114"/>
-        <pc:sldMkLst>
-          <pc:docMk/>
-          <pc:sldMk cId="1841249936" sldId="519"/>
-        </pc:sldMkLst>
-        <pc:spChg chg="del">
-          <ac:chgData name="Erik Král" userId="e92e8e71-05aa-4c44-9728-5ff1a0a20d65" providerId="ADAL" clId="{DC144796-05B1-4D6C-A3D7-AFC9932FDE32}" dt="2020-03-19T08:45:48.633" v="2261" actId="478"/>
-          <ac:spMkLst>
-            <pc:docMk/>
-            <pc:sldMk cId="1841249936" sldId="519"/>
-            <ac:spMk id="2" creationId="{B7FAD8A1-C023-490C-9584-ED5458048026}"/>
-          </ac:spMkLst>
-        </pc:spChg>
-        <pc:spChg chg="add mod">
-          <ac:chgData name="Erik Král" userId="e92e8e71-05aa-4c44-9728-5ff1a0a20d65" providerId="ADAL" clId="{DC144796-05B1-4D6C-A3D7-AFC9932FDE32}" dt="2020-03-19T08:51:39.255" v="2847" actId="1076"/>
-          <ac:spMkLst>
-            <pc:docMk/>
-            <pc:sldMk cId="1841249936" sldId="519"/>
-            <ac:spMk id="3" creationId="{D690F3C7-6DA1-4DB7-990D-D3FBF0068E31}"/>
-          </ac:spMkLst>
-        </pc:spChg>
-        <pc:spChg chg="mod">
-          <ac:chgData name="Erik Král" userId="e92e8e71-05aa-4c44-9728-5ff1a0a20d65" providerId="ADAL" clId="{DC144796-05B1-4D6C-A3D7-AFC9932FDE32}" dt="2020-03-19T08:48:21.236" v="2529" actId="20577"/>
-          <ac:spMkLst>
-            <pc:docMk/>
-            <pc:sldMk cId="1841249936" sldId="519"/>
-            <ac:spMk id="6" creationId="{E18911F4-6415-493F-8557-906BB0DAEFB6}"/>
-          </ac:spMkLst>
-        </pc:spChg>
-        <pc:spChg chg="mod">
-          <ac:chgData name="Erik Král" userId="e92e8e71-05aa-4c44-9728-5ff1a0a20d65" providerId="ADAL" clId="{DC144796-05B1-4D6C-A3D7-AFC9932FDE32}" dt="2020-03-19T10:14:38.143" v="3018" actId="114"/>
-          <ac:spMkLst>
-            <pc:docMk/>
-            <pc:sldMk cId="1841249936" sldId="519"/>
-            <ac:spMk id="7" creationId="{CE0E1C2A-F8E4-4378-9E71-E9BF916385FA}"/>
-          </ac:spMkLst>
-        </pc:spChg>
-      </pc:sldChg>
-      <pc:sldChg chg="addSp delSp modSp add">
-        <pc:chgData name="Erik Král" userId="e92e8e71-05aa-4c44-9728-5ff1a0a20d65" providerId="ADAL" clId="{DC144796-05B1-4D6C-A3D7-AFC9932FDE32}" dt="2020-03-19T08:51:18.432" v="2845" actId="1076"/>
-        <pc:sldMkLst>
-          <pc:docMk/>
-          <pc:sldMk cId="58076840" sldId="520"/>
-        </pc:sldMkLst>
-        <pc:spChg chg="add mod">
-          <ac:chgData name="Erik Král" userId="e92e8e71-05aa-4c44-9728-5ff1a0a20d65" providerId="ADAL" clId="{DC144796-05B1-4D6C-A3D7-AFC9932FDE32}" dt="2020-03-19T08:51:18.432" v="2845" actId="1076"/>
-          <ac:spMkLst>
-            <pc:docMk/>
-            <pc:sldMk cId="58076840" sldId="520"/>
-            <ac:spMk id="2" creationId="{8B52D2A8-9566-4CD0-91F4-F527244BFD37}"/>
-          </ac:spMkLst>
-        </pc:spChg>
-        <pc:spChg chg="del">
-          <ac:chgData name="Erik Král" userId="e92e8e71-05aa-4c44-9728-5ff1a0a20d65" providerId="ADAL" clId="{DC144796-05B1-4D6C-A3D7-AFC9932FDE32}" dt="2020-03-19T08:49:25.439" v="2539" actId="478"/>
-          <ac:spMkLst>
-            <pc:docMk/>
-            <pc:sldMk cId="58076840" sldId="520"/>
-            <ac:spMk id="3" creationId="{D690F3C7-6DA1-4DB7-990D-D3FBF0068E31}"/>
-          </ac:spMkLst>
-        </pc:spChg>
-        <pc:spChg chg="mod">
-          <ac:chgData name="Erik Král" userId="e92e8e71-05aa-4c44-9728-5ff1a0a20d65" providerId="ADAL" clId="{DC144796-05B1-4D6C-A3D7-AFC9932FDE32}" dt="2020-03-19T08:48:28.598" v="2538" actId="20577"/>
-          <ac:spMkLst>
-            <pc:docMk/>
-            <pc:sldMk cId="58076840" sldId="520"/>
-            <ac:spMk id="6" creationId="{E18911F4-6415-493F-8557-906BB0DAEFB6}"/>
-          </ac:spMkLst>
-        </pc:spChg>
-        <pc:spChg chg="mod">
-          <ac:chgData name="Erik Král" userId="e92e8e71-05aa-4c44-9728-5ff1a0a20d65" providerId="ADAL" clId="{DC144796-05B1-4D6C-A3D7-AFC9932FDE32}" dt="2020-03-19T08:50:51.415" v="2841" actId="20577"/>
-          <ac:spMkLst>
-            <pc:docMk/>
-            <pc:sldMk cId="58076840" sldId="520"/>
-            <ac:spMk id="7" creationId="{CE0E1C2A-F8E4-4378-9E71-E9BF916385FA}"/>
-          </ac:spMkLst>
-        </pc:spChg>
-      </pc:sldChg>
-    </pc:docChg>
-  </pc:docChgLst>
   <pc:docChgLst>
     <pc:chgData name="Erik Král" userId="e92e8e71-05aa-4c44-9728-5ff1a0a20d65" providerId="ADAL" clId="{6DB4A9FD-37D6-4514-A53A-5B8FC6BB7584}"/>
     <pc:docChg chg="undo custSel addSld delSld modSld sldOrd">
@@ -4257,6 +3389,867 @@
       </pc:sldChg>
     </pc:docChg>
   </pc:docChgLst>
+  <pc:docChgLst>
+    <pc:chgData name="Erik Král" userId="e92e8e71-05aa-4c44-9728-5ff1a0a20d65" providerId="ADAL" clId="{DC144796-05B1-4D6C-A3D7-AFC9932FDE32}"/>
+    <pc:docChg chg="undo custSel addSld delSld modSld sldOrd">
+      <pc:chgData name="Erik Král" userId="e92e8e71-05aa-4c44-9728-5ff1a0a20d65" providerId="ADAL" clId="{DC144796-05B1-4D6C-A3D7-AFC9932FDE32}" dt="2020-03-25T16:12:55.854" v="3399" actId="114"/>
+      <pc:docMkLst>
+        <pc:docMk/>
+      </pc:docMkLst>
+      <pc:sldChg chg="modSp">
+        <pc:chgData name="Erik Král" userId="e92e8e71-05aa-4c44-9728-5ff1a0a20d65" providerId="ADAL" clId="{DC144796-05B1-4D6C-A3D7-AFC9932FDE32}" dt="2020-03-19T10:14:05.493" v="3013" actId="20577"/>
+        <pc:sldMkLst>
+          <pc:docMk/>
+          <pc:sldMk cId="3410786804" sldId="280"/>
+        </pc:sldMkLst>
+        <pc:spChg chg="mod">
+          <ac:chgData name="Erik Král" userId="e92e8e71-05aa-4c44-9728-5ff1a0a20d65" providerId="ADAL" clId="{DC144796-05B1-4D6C-A3D7-AFC9932FDE32}" dt="2020-03-19T10:14:05.493" v="3013" actId="20577"/>
+          <ac:spMkLst>
+            <pc:docMk/>
+            <pc:sldMk cId="3410786804" sldId="280"/>
+            <ac:spMk id="3" creationId="{00000000-0000-0000-0000-000000000000}"/>
+          </ac:spMkLst>
+        </pc:spChg>
+      </pc:sldChg>
+      <pc:sldChg chg="modSp">
+        <pc:chgData name="Erik Král" userId="e92e8e71-05aa-4c44-9728-5ff1a0a20d65" providerId="ADAL" clId="{DC144796-05B1-4D6C-A3D7-AFC9932FDE32}" dt="2020-03-19T10:20:17.298" v="3292" actId="20577"/>
+        <pc:sldMkLst>
+          <pc:docMk/>
+          <pc:sldMk cId="3851863752" sldId="289"/>
+        </pc:sldMkLst>
+        <pc:spChg chg="mod">
+          <ac:chgData name="Erik Král" userId="e92e8e71-05aa-4c44-9728-5ff1a0a20d65" providerId="ADAL" clId="{DC144796-05B1-4D6C-A3D7-AFC9932FDE32}" dt="2020-03-19T10:20:17.298" v="3292" actId="20577"/>
+          <ac:spMkLst>
+            <pc:docMk/>
+            <pc:sldMk cId="3851863752" sldId="289"/>
+            <ac:spMk id="3" creationId="{BA794B51-B1AE-4AAA-B1B3-860C1642F7F5}"/>
+          </ac:spMkLst>
+        </pc:spChg>
+      </pc:sldChg>
+      <pc:sldChg chg="modSp">
+        <pc:chgData name="Erik Král" userId="e92e8e71-05aa-4c44-9728-5ff1a0a20d65" providerId="ADAL" clId="{DC144796-05B1-4D6C-A3D7-AFC9932FDE32}" dt="2020-03-25T15:07:49.456" v="3398" actId="20577"/>
+        <pc:sldMkLst>
+          <pc:docMk/>
+          <pc:sldMk cId="2076725490" sldId="291"/>
+        </pc:sldMkLst>
+        <pc:spChg chg="mod">
+          <ac:chgData name="Erik Král" userId="e92e8e71-05aa-4c44-9728-5ff1a0a20d65" providerId="ADAL" clId="{DC144796-05B1-4D6C-A3D7-AFC9932FDE32}" dt="2020-03-25T15:07:49.456" v="3398" actId="20577"/>
+          <ac:spMkLst>
+            <pc:docMk/>
+            <pc:sldMk cId="2076725490" sldId="291"/>
+            <ac:spMk id="3" creationId="{B6C62CBC-4977-4BC1-AE25-4CBA0844D76D}"/>
+          </ac:spMkLst>
+        </pc:spChg>
+      </pc:sldChg>
+      <pc:sldChg chg="modSp">
+        <pc:chgData name="Erik Král" userId="e92e8e71-05aa-4c44-9728-5ff1a0a20d65" providerId="ADAL" clId="{DC144796-05B1-4D6C-A3D7-AFC9932FDE32}" dt="2020-03-25T16:12:55.854" v="3399" actId="114"/>
+        <pc:sldMkLst>
+          <pc:docMk/>
+          <pc:sldMk cId="324605791" sldId="377"/>
+        </pc:sldMkLst>
+        <pc:spChg chg="mod">
+          <ac:chgData name="Erik Král" userId="e92e8e71-05aa-4c44-9728-5ff1a0a20d65" providerId="ADAL" clId="{DC144796-05B1-4D6C-A3D7-AFC9932FDE32}" dt="2020-03-25T16:12:55.854" v="3399" actId="114"/>
+          <ac:spMkLst>
+            <pc:docMk/>
+            <pc:sldMk cId="324605791" sldId="377"/>
+            <ac:spMk id="7" creationId="{F104F025-3663-467D-916A-7B24CC0055FD}"/>
+          </ac:spMkLst>
+        </pc:spChg>
+      </pc:sldChg>
+      <pc:sldChg chg="modSp">
+        <pc:chgData name="Erik Král" userId="e92e8e71-05aa-4c44-9728-5ff1a0a20d65" providerId="ADAL" clId="{DC144796-05B1-4D6C-A3D7-AFC9932FDE32}" dt="2020-03-19T10:32:54.785" v="3293" actId="20577"/>
+        <pc:sldMkLst>
+          <pc:docMk/>
+          <pc:sldMk cId="499833969" sldId="379"/>
+        </pc:sldMkLst>
+        <pc:spChg chg="mod">
+          <ac:chgData name="Erik Král" userId="e92e8e71-05aa-4c44-9728-5ff1a0a20d65" providerId="ADAL" clId="{DC144796-05B1-4D6C-A3D7-AFC9932FDE32}" dt="2020-03-19T10:32:54.785" v="3293" actId="20577"/>
+          <ac:spMkLst>
+            <pc:docMk/>
+            <pc:sldMk cId="499833969" sldId="379"/>
+            <ac:spMk id="3" creationId="{35FC1C0B-5822-40C8-A1B5-585453D6CD9B}"/>
+          </ac:spMkLst>
+        </pc:spChg>
+      </pc:sldChg>
+      <pc:sldChg chg="modSp">
+        <pc:chgData name="Erik Král" userId="e92e8e71-05aa-4c44-9728-5ff1a0a20d65" providerId="ADAL" clId="{DC144796-05B1-4D6C-A3D7-AFC9932FDE32}" dt="2020-03-19T10:33:36.367" v="3297" actId="114"/>
+        <pc:sldMkLst>
+          <pc:docMk/>
+          <pc:sldMk cId="1144900693" sldId="385"/>
+        </pc:sldMkLst>
+        <pc:spChg chg="mod">
+          <ac:chgData name="Erik Král" userId="e92e8e71-05aa-4c44-9728-5ff1a0a20d65" providerId="ADAL" clId="{DC144796-05B1-4D6C-A3D7-AFC9932FDE32}" dt="2020-03-19T10:33:36.367" v="3297" actId="114"/>
+          <ac:spMkLst>
+            <pc:docMk/>
+            <pc:sldMk cId="1144900693" sldId="385"/>
+            <ac:spMk id="3" creationId="{B64AD9A6-2DA1-40FB-B7A2-1FA9766088D4}"/>
+          </ac:spMkLst>
+        </pc:spChg>
+      </pc:sldChg>
+      <pc:sldChg chg="addSp delSp modSp add">
+        <pc:chgData name="Erik Král" userId="e92e8e71-05aa-4c44-9728-5ff1a0a20d65" providerId="ADAL" clId="{DC144796-05B1-4D6C-A3D7-AFC9932FDE32}" dt="2020-03-18T18:44:02.921" v="1196" actId="478"/>
+        <pc:sldMkLst>
+          <pc:docMk/>
+          <pc:sldMk cId="3463844869" sldId="400"/>
+        </pc:sldMkLst>
+        <pc:spChg chg="mod">
+          <ac:chgData name="Erik Král" userId="e92e8e71-05aa-4c44-9728-5ff1a0a20d65" providerId="ADAL" clId="{DC144796-05B1-4D6C-A3D7-AFC9932FDE32}" dt="2020-03-18T18:12:39.488" v="1165" actId="27636"/>
+          <ac:spMkLst>
+            <pc:docMk/>
+            <pc:sldMk cId="3463844869" sldId="400"/>
+            <ac:spMk id="2" creationId="{EEA7AB69-2049-4437-9039-09146C9AEAF2}"/>
+          </ac:spMkLst>
+        </pc:spChg>
+        <pc:spChg chg="add del mod">
+          <ac:chgData name="Erik Král" userId="e92e8e71-05aa-4c44-9728-5ff1a0a20d65" providerId="ADAL" clId="{DC144796-05B1-4D6C-A3D7-AFC9932FDE32}" dt="2020-03-18T18:12:58.656" v="1170" actId="478"/>
+          <ac:spMkLst>
+            <pc:docMk/>
+            <pc:sldMk cId="3463844869" sldId="400"/>
+            <ac:spMk id="3" creationId="{A9D81403-7BE1-435D-A462-54361DF3843A}"/>
+          </ac:spMkLst>
+        </pc:spChg>
+        <pc:spChg chg="add del mod">
+          <ac:chgData name="Erik Král" userId="e92e8e71-05aa-4c44-9728-5ff1a0a20d65" providerId="ADAL" clId="{DC144796-05B1-4D6C-A3D7-AFC9932FDE32}" dt="2020-03-18T18:14:22.938" v="1183" actId="478"/>
+          <ac:spMkLst>
+            <pc:docMk/>
+            <pc:sldMk cId="3463844869" sldId="400"/>
+            <ac:spMk id="4" creationId="{53C3CD97-DB6C-4559-9501-F0D85688827A}"/>
+          </ac:spMkLst>
+        </pc:spChg>
+        <pc:spChg chg="add mod">
+          <ac:chgData name="Erik Král" userId="e92e8e71-05aa-4c44-9728-5ff1a0a20d65" providerId="ADAL" clId="{DC144796-05B1-4D6C-A3D7-AFC9932FDE32}" dt="2020-03-18T18:14:45.717" v="1191" actId="404"/>
+          <ac:spMkLst>
+            <pc:docMk/>
+            <pc:sldMk cId="3463844869" sldId="400"/>
+            <ac:spMk id="7" creationId="{EDE71F8D-78A4-4DF8-B31A-6073D6CECE30}"/>
+          </ac:spMkLst>
+        </pc:spChg>
+        <pc:spChg chg="del mod">
+          <ac:chgData name="Erik Král" userId="e92e8e71-05aa-4c44-9728-5ff1a0a20d65" providerId="ADAL" clId="{DC144796-05B1-4D6C-A3D7-AFC9932FDE32}" dt="2020-03-18T18:44:02.921" v="1196" actId="478"/>
+          <ac:spMkLst>
+            <pc:docMk/>
+            <pc:sldMk cId="3463844869" sldId="400"/>
+            <ac:spMk id="9" creationId="{BC670A61-036B-44F4-AE9C-10FC6D63E78D}"/>
+          </ac:spMkLst>
+        </pc:spChg>
+        <pc:spChg chg="del mod">
+          <ac:chgData name="Erik Král" userId="e92e8e71-05aa-4c44-9728-5ff1a0a20d65" providerId="ADAL" clId="{DC144796-05B1-4D6C-A3D7-AFC9932FDE32}" dt="2020-03-18T18:44:02.921" v="1196" actId="478"/>
+          <ac:spMkLst>
+            <pc:docMk/>
+            <pc:sldMk cId="3463844869" sldId="400"/>
+            <ac:spMk id="10" creationId="{1D2D47C0-D201-4BBE-A5E5-0B3BD41A22F6}"/>
+          </ac:spMkLst>
+        </pc:spChg>
+        <pc:spChg chg="del">
+          <ac:chgData name="Erik Král" userId="e92e8e71-05aa-4c44-9728-5ff1a0a20d65" providerId="ADAL" clId="{DC144796-05B1-4D6C-A3D7-AFC9932FDE32}" dt="2020-03-18T18:15:00.619" v="1192" actId="478"/>
+          <ac:spMkLst>
+            <pc:docMk/>
+            <pc:sldMk cId="3463844869" sldId="400"/>
+            <ac:spMk id="12" creationId="{612461D7-DC4A-425F-A9AE-CB1471933BF9}"/>
+          </ac:spMkLst>
+        </pc:spChg>
+        <pc:spChg chg="del">
+          <ac:chgData name="Erik Král" userId="e92e8e71-05aa-4c44-9728-5ff1a0a20d65" providerId="ADAL" clId="{DC144796-05B1-4D6C-A3D7-AFC9932FDE32}" dt="2020-03-18T18:15:00.619" v="1192" actId="478"/>
+          <ac:spMkLst>
+            <pc:docMk/>
+            <pc:sldMk cId="3463844869" sldId="400"/>
+            <ac:spMk id="13" creationId="{FA75918C-3E7B-4A11-B290-A1242D7EEC55}"/>
+          </ac:spMkLst>
+        </pc:spChg>
+        <pc:spChg chg="del">
+          <ac:chgData name="Erik Král" userId="e92e8e71-05aa-4c44-9728-5ff1a0a20d65" providerId="ADAL" clId="{DC144796-05B1-4D6C-A3D7-AFC9932FDE32}" dt="2020-03-18T18:15:00.619" v="1192" actId="478"/>
+          <ac:spMkLst>
+            <pc:docMk/>
+            <pc:sldMk cId="3463844869" sldId="400"/>
+            <ac:spMk id="14" creationId="{E31797FA-DEA6-48A5-AC22-933A2239A647}"/>
+          </ac:spMkLst>
+        </pc:spChg>
+        <pc:spChg chg="del">
+          <ac:chgData name="Erik Král" userId="e92e8e71-05aa-4c44-9728-5ff1a0a20d65" providerId="ADAL" clId="{DC144796-05B1-4D6C-A3D7-AFC9932FDE32}" dt="2020-03-18T18:15:00.619" v="1192" actId="478"/>
+          <ac:spMkLst>
+            <pc:docMk/>
+            <pc:sldMk cId="3463844869" sldId="400"/>
+            <ac:spMk id="15" creationId="{154E8E40-4353-44BB-9F90-DF46C42A1000}"/>
+          </ac:spMkLst>
+        </pc:spChg>
+        <pc:spChg chg="del">
+          <ac:chgData name="Erik Král" userId="e92e8e71-05aa-4c44-9728-5ff1a0a20d65" providerId="ADAL" clId="{DC144796-05B1-4D6C-A3D7-AFC9932FDE32}" dt="2020-03-18T18:15:00.619" v="1192" actId="478"/>
+          <ac:spMkLst>
+            <pc:docMk/>
+            <pc:sldMk cId="3463844869" sldId="400"/>
+            <ac:spMk id="16" creationId="{DA89675A-C1FD-4160-9787-06CB03D992EC}"/>
+          </ac:spMkLst>
+        </pc:spChg>
+        <pc:spChg chg="del">
+          <ac:chgData name="Erik Král" userId="e92e8e71-05aa-4c44-9728-5ff1a0a20d65" providerId="ADAL" clId="{DC144796-05B1-4D6C-A3D7-AFC9932FDE32}" dt="2020-03-18T18:15:00.619" v="1192" actId="478"/>
+          <ac:spMkLst>
+            <pc:docMk/>
+            <pc:sldMk cId="3463844869" sldId="400"/>
+            <ac:spMk id="17" creationId="{B48209AA-A8F2-44E4-91B8-37F03DD3D5AB}"/>
+          </ac:spMkLst>
+        </pc:spChg>
+        <pc:spChg chg="del">
+          <ac:chgData name="Erik Král" userId="e92e8e71-05aa-4c44-9728-5ff1a0a20d65" providerId="ADAL" clId="{DC144796-05B1-4D6C-A3D7-AFC9932FDE32}" dt="2020-03-18T18:12:48.254" v="1166" actId="478"/>
+          <ac:spMkLst>
+            <pc:docMk/>
+            <pc:sldMk cId="3463844869" sldId="400"/>
+            <ac:spMk id="18" creationId="{AA76A1B5-37B6-49C2-A025-9445CC6C76FD}"/>
+          </ac:spMkLst>
+        </pc:spChg>
+        <pc:spChg chg="del mod">
+          <ac:chgData name="Erik Král" userId="e92e8e71-05aa-4c44-9728-5ff1a0a20d65" providerId="ADAL" clId="{DC144796-05B1-4D6C-A3D7-AFC9932FDE32}" dt="2020-03-18T18:44:02.921" v="1196" actId="478"/>
+          <ac:spMkLst>
+            <pc:docMk/>
+            <pc:sldMk cId="3463844869" sldId="400"/>
+            <ac:spMk id="21" creationId="{E61A8C46-6056-423B-9947-94120B074273}"/>
+          </ac:spMkLst>
+        </pc:spChg>
+        <pc:spChg chg="del mod">
+          <ac:chgData name="Erik Král" userId="e92e8e71-05aa-4c44-9728-5ff1a0a20d65" providerId="ADAL" clId="{DC144796-05B1-4D6C-A3D7-AFC9932FDE32}" dt="2020-03-18T18:44:02.921" v="1196" actId="478"/>
+          <ac:spMkLst>
+            <pc:docMk/>
+            <pc:sldMk cId="3463844869" sldId="400"/>
+            <ac:spMk id="22" creationId="{B7E51456-5F44-45C8-91A1-06FF13F98914}"/>
+          </ac:spMkLst>
+        </pc:spChg>
+      </pc:sldChg>
+      <pc:sldChg chg="modSp">
+        <pc:chgData name="Erik Král" userId="e92e8e71-05aa-4c44-9728-5ff1a0a20d65" providerId="ADAL" clId="{DC144796-05B1-4D6C-A3D7-AFC9932FDE32}" dt="2020-03-19T10:34:01.937" v="3299" actId="114"/>
+        <pc:sldMkLst>
+          <pc:docMk/>
+          <pc:sldMk cId="129559525" sldId="438"/>
+        </pc:sldMkLst>
+        <pc:spChg chg="mod">
+          <ac:chgData name="Erik Král" userId="e92e8e71-05aa-4c44-9728-5ff1a0a20d65" providerId="ADAL" clId="{DC144796-05B1-4D6C-A3D7-AFC9932FDE32}" dt="2020-03-19T10:34:01.937" v="3299" actId="114"/>
+          <ac:spMkLst>
+            <pc:docMk/>
+            <pc:sldMk cId="129559525" sldId="438"/>
+            <ac:spMk id="3" creationId="{2A13B025-045B-4D42-A454-3009573A226D}"/>
+          </ac:spMkLst>
+        </pc:spChg>
+      </pc:sldChg>
+      <pc:sldChg chg="modSp">
+        <pc:chgData name="Erik Král" userId="e92e8e71-05aa-4c44-9728-5ff1a0a20d65" providerId="ADAL" clId="{DC144796-05B1-4D6C-A3D7-AFC9932FDE32}" dt="2020-03-19T10:34:36.134" v="3309" actId="20577"/>
+        <pc:sldMkLst>
+          <pc:docMk/>
+          <pc:sldMk cId="4001228765" sldId="440"/>
+        </pc:sldMkLst>
+        <pc:spChg chg="mod">
+          <ac:chgData name="Erik Král" userId="e92e8e71-05aa-4c44-9728-5ff1a0a20d65" providerId="ADAL" clId="{DC144796-05B1-4D6C-A3D7-AFC9932FDE32}" dt="2020-03-19T10:34:36.134" v="3309" actId="20577"/>
+          <ac:spMkLst>
+            <pc:docMk/>
+            <pc:sldMk cId="4001228765" sldId="440"/>
+            <ac:spMk id="3" creationId="{E72C3201-FCE4-439B-A054-29BA826A1C46}"/>
+          </ac:spMkLst>
+        </pc:spChg>
+      </pc:sldChg>
+      <pc:sldChg chg="modSp">
+        <pc:chgData name="Erik Král" userId="e92e8e71-05aa-4c44-9728-5ff1a0a20d65" providerId="ADAL" clId="{DC144796-05B1-4D6C-A3D7-AFC9932FDE32}" dt="2020-03-19T10:35:19.628" v="3386" actId="114"/>
+        <pc:sldMkLst>
+          <pc:docMk/>
+          <pc:sldMk cId="300175808" sldId="441"/>
+        </pc:sldMkLst>
+        <pc:spChg chg="mod">
+          <ac:chgData name="Erik Král" userId="e92e8e71-05aa-4c44-9728-5ff1a0a20d65" providerId="ADAL" clId="{DC144796-05B1-4D6C-A3D7-AFC9932FDE32}" dt="2020-03-19T10:35:19.628" v="3386" actId="114"/>
+          <ac:spMkLst>
+            <pc:docMk/>
+            <pc:sldMk cId="300175808" sldId="441"/>
+            <ac:spMk id="3" creationId="{6D27C0C6-987C-4813-B88B-905675DA6E18}"/>
+          </ac:spMkLst>
+        </pc:spChg>
+      </pc:sldChg>
+      <pc:sldChg chg="modSp">
+        <pc:chgData name="Erik Král" userId="e92e8e71-05aa-4c44-9728-5ff1a0a20d65" providerId="ADAL" clId="{DC144796-05B1-4D6C-A3D7-AFC9932FDE32}" dt="2020-03-18T16:55:48.683" v="147" actId="20577"/>
+        <pc:sldMkLst>
+          <pc:docMk/>
+          <pc:sldMk cId="3193962412" sldId="498"/>
+        </pc:sldMkLst>
+        <pc:spChg chg="mod">
+          <ac:chgData name="Erik Král" userId="e92e8e71-05aa-4c44-9728-5ff1a0a20d65" providerId="ADAL" clId="{DC144796-05B1-4D6C-A3D7-AFC9932FDE32}" dt="2020-03-18T16:55:38.216" v="112" actId="20577"/>
+          <ac:spMkLst>
+            <pc:docMk/>
+            <pc:sldMk cId="3193962412" sldId="498"/>
+            <ac:spMk id="2" creationId="{7ED638ED-4509-4493-B9D3-F94E33401EE0}"/>
+          </ac:spMkLst>
+        </pc:spChg>
+        <pc:spChg chg="mod">
+          <ac:chgData name="Erik Král" userId="e92e8e71-05aa-4c44-9728-5ff1a0a20d65" providerId="ADAL" clId="{DC144796-05B1-4D6C-A3D7-AFC9932FDE32}" dt="2020-03-18T16:55:48.683" v="147" actId="20577"/>
+          <ac:spMkLst>
+            <pc:docMk/>
+            <pc:sldMk cId="3193962412" sldId="498"/>
+            <ac:spMk id="3" creationId="{78F41C16-F83D-4EB5-8AE0-41EBD641759D}"/>
+          </ac:spMkLst>
+        </pc:spChg>
+      </pc:sldChg>
+      <pc:sldChg chg="addSp delSp modSp add">
+        <pc:chgData name="Erik Král" userId="e92e8e71-05aa-4c44-9728-5ff1a0a20d65" providerId="ADAL" clId="{DC144796-05B1-4D6C-A3D7-AFC9932FDE32}" dt="2020-03-18T17:38:36.347" v="989" actId="5793"/>
+        <pc:sldMkLst>
+          <pc:docMk/>
+          <pc:sldMk cId="4279733146" sldId="507"/>
+        </pc:sldMkLst>
+        <pc:spChg chg="del">
+          <ac:chgData name="Erik Král" userId="e92e8e71-05aa-4c44-9728-5ff1a0a20d65" providerId="ADAL" clId="{DC144796-05B1-4D6C-A3D7-AFC9932FDE32}" dt="2020-03-18T16:54:53.803" v="72"/>
+          <ac:spMkLst>
+            <pc:docMk/>
+            <pc:sldMk cId="4279733146" sldId="507"/>
+            <ac:spMk id="2" creationId="{0691A439-F637-406C-98EC-BA6EDF9C1F37}"/>
+          </ac:spMkLst>
+        </pc:spChg>
+        <pc:spChg chg="del">
+          <ac:chgData name="Erik Král" userId="e92e8e71-05aa-4c44-9728-5ff1a0a20d65" providerId="ADAL" clId="{DC144796-05B1-4D6C-A3D7-AFC9932FDE32}" dt="2020-03-18T16:54:53.803" v="72"/>
+          <ac:spMkLst>
+            <pc:docMk/>
+            <pc:sldMk cId="4279733146" sldId="507"/>
+            <ac:spMk id="3" creationId="{9FF75FD3-DA59-4339-9E9E-F3DAC29B2E60}"/>
+          </ac:spMkLst>
+        </pc:spChg>
+        <pc:spChg chg="del">
+          <ac:chgData name="Erik Král" userId="e92e8e71-05aa-4c44-9728-5ff1a0a20d65" providerId="ADAL" clId="{DC144796-05B1-4D6C-A3D7-AFC9932FDE32}" dt="2020-03-18T16:55:04.466" v="93" actId="478"/>
+          <ac:spMkLst>
+            <pc:docMk/>
+            <pc:sldMk cId="4279733146" sldId="507"/>
+            <ac:spMk id="4" creationId="{ACBD65D4-3E2C-4E39-93D8-7E0CA9FE0027}"/>
+          </ac:spMkLst>
+        </pc:spChg>
+        <pc:spChg chg="add mod">
+          <ac:chgData name="Erik Král" userId="e92e8e71-05aa-4c44-9728-5ff1a0a20d65" providerId="ADAL" clId="{DC144796-05B1-4D6C-A3D7-AFC9932FDE32}" dt="2020-03-18T16:55:31.627" v="101" actId="20577"/>
+          <ac:spMkLst>
+            <pc:docMk/>
+            <pc:sldMk cId="4279733146" sldId="507"/>
+            <ac:spMk id="6" creationId="{5F101B16-7C7B-4CD1-AFD5-88E3A86A6D79}"/>
+          </ac:spMkLst>
+        </pc:spChg>
+        <pc:spChg chg="add mod">
+          <ac:chgData name="Erik Král" userId="e92e8e71-05aa-4c44-9728-5ff1a0a20d65" providerId="ADAL" clId="{DC144796-05B1-4D6C-A3D7-AFC9932FDE32}" dt="2020-03-18T17:38:36.347" v="989" actId="5793"/>
+          <ac:spMkLst>
+            <pc:docMk/>
+            <pc:sldMk cId="4279733146" sldId="507"/>
+            <ac:spMk id="7" creationId="{9E075296-49C3-46AE-9858-C607F47D2CCE}"/>
+          </ac:spMkLst>
+        </pc:spChg>
+      </pc:sldChg>
+      <pc:sldChg chg="delSp modSp add">
+        <pc:chgData name="Erik Král" userId="e92e8e71-05aa-4c44-9728-5ff1a0a20d65" providerId="ADAL" clId="{DC144796-05B1-4D6C-A3D7-AFC9932FDE32}" dt="2020-03-19T10:38:23.284" v="3395" actId="20577"/>
+        <pc:sldMkLst>
+          <pc:docMk/>
+          <pc:sldMk cId="1618789620" sldId="508"/>
+        </pc:sldMkLst>
+        <pc:spChg chg="mod">
+          <ac:chgData name="Erik Král" userId="e92e8e71-05aa-4c44-9728-5ff1a0a20d65" providerId="ADAL" clId="{DC144796-05B1-4D6C-A3D7-AFC9932FDE32}" dt="2020-03-18T16:59:39.712" v="644" actId="20577"/>
+          <ac:spMkLst>
+            <pc:docMk/>
+            <pc:sldMk cId="1618789620" sldId="508"/>
+            <ac:spMk id="2" creationId="{7DC58838-C2A3-417B-9952-82BD0892B678}"/>
+          </ac:spMkLst>
+        </pc:spChg>
+        <pc:spChg chg="mod">
+          <ac:chgData name="Erik Král" userId="e92e8e71-05aa-4c44-9728-5ff1a0a20d65" providerId="ADAL" clId="{DC144796-05B1-4D6C-A3D7-AFC9932FDE32}" dt="2020-03-19T10:38:23.284" v="3395" actId="20577"/>
+          <ac:spMkLst>
+            <pc:docMk/>
+            <pc:sldMk cId="1618789620" sldId="508"/>
+            <ac:spMk id="3" creationId="{E02487A0-C3A0-4681-B590-3CDAD1390806}"/>
+          </ac:spMkLst>
+        </pc:spChg>
+        <pc:spChg chg="del">
+          <ac:chgData name="Erik Král" userId="e92e8e71-05aa-4c44-9728-5ff1a0a20d65" providerId="ADAL" clId="{DC144796-05B1-4D6C-A3D7-AFC9932FDE32}" dt="2020-03-18T16:59:47.869" v="645" actId="478"/>
+          <ac:spMkLst>
+            <pc:docMk/>
+            <pc:sldMk cId="1618789620" sldId="508"/>
+            <ac:spMk id="4" creationId="{4F281D22-3749-479E-8DB6-F30CF9CA1BDC}"/>
+          </ac:spMkLst>
+        </pc:spChg>
+      </pc:sldChg>
+      <pc:sldChg chg="addSp delSp modSp add">
+        <pc:chgData name="Erik Král" userId="e92e8e71-05aa-4c44-9728-5ff1a0a20d65" providerId="ADAL" clId="{DC144796-05B1-4D6C-A3D7-AFC9932FDE32}" dt="2020-03-18T18:44:41.543" v="1203" actId="478"/>
+        <pc:sldMkLst>
+          <pc:docMk/>
+          <pc:sldMk cId="941885448" sldId="509"/>
+        </pc:sldMkLst>
+        <pc:spChg chg="add del">
+          <ac:chgData name="Erik Král" userId="e92e8e71-05aa-4c44-9728-5ff1a0a20d65" providerId="ADAL" clId="{DC144796-05B1-4D6C-A3D7-AFC9932FDE32}" dt="2020-03-18T18:44:36.705" v="1202" actId="478"/>
+          <ac:spMkLst>
+            <pc:docMk/>
+            <pc:sldMk cId="941885448" sldId="509"/>
+            <ac:spMk id="6" creationId="{9C413DFC-1812-4627-973D-A7937722D961}"/>
+          </ac:spMkLst>
+        </pc:spChg>
+        <pc:spChg chg="mod">
+          <ac:chgData name="Erik Král" userId="e92e8e71-05aa-4c44-9728-5ff1a0a20d65" providerId="ADAL" clId="{DC144796-05B1-4D6C-A3D7-AFC9932FDE32}" dt="2020-03-18T18:44:14.816" v="1198" actId="207"/>
+          <ac:spMkLst>
+            <pc:docMk/>
+            <pc:sldMk cId="941885448" sldId="509"/>
+            <ac:spMk id="7" creationId="{EDE71F8D-78A4-4DF8-B31A-6073D6CECE30}"/>
+          </ac:spMkLst>
+        </pc:spChg>
+        <pc:spChg chg="mod">
+          <ac:chgData name="Erik Král" userId="e92e8e71-05aa-4c44-9728-5ff1a0a20d65" providerId="ADAL" clId="{DC144796-05B1-4D6C-A3D7-AFC9932FDE32}" dt="2020-03-18T18:44:26.136" v="1200" actId="208"/>
+          <ac:spMkLst>
+            <pc:docMk/>
+            <pc:sldMk cId="941885448" sldId="509"/>
+            <ac:spMk id="9" creationId="{BC670A61-036B-44F4-AE9C-10FC6D63E78D}"/>
+          </ac:spMkLst>
+        </pc:spChg>
+        <pc:spChg chg="mod">
+          <ac:chgData name="Erik Král" userId="e92e8e71-05aa-4c44-9728-5ff1a0a20d65" providerId="ADAL" clId="{DC144796-05B1-4D6C-A3D7-AFC9932FDE32}" dt="2020-03-18T18:44:18.769" v="1199" actId="207"/>
+          <ac:spMkLst>
+            <pc:docMk/>
+            <pc:sldMk cId="941885448" sldId="509"/>
+            <ac:spMk id="10" creationId="{1D2D47C0-D201-4BBE-A5E5-0B3BD41A22F6}"/>
+          </ac:spMkLst>
+        </pc:spChg>
+        <pc:spChg chg="add del">
+          <ac:chgData name="Erik Král" userId="e92e8e71-05aa-4c44-9728-5ff1a0a20d65" providerId="ADAL" clId="{DC144796-05B1-4D6C-A3D7-AFC9932FDE32}" dt="2020-03-18T18:44:41.543" v="1203" actId="478"/>
+          <ac:spMkLst>
+            <pc:docMk/>
+            <pc:sldMk cId="941885448" sldId="509"/>
+            <ac:spMk id="21" creationId="{E61A8C46-6056-423B-9947-94120B074273}"/>
+          </ac:spMkLst>
+        </pc:spChg>
+        <pc:spChg chg="add del">
+          <ac:chgData name="Erik Král" userId="e92e8e71-05aa-4c44-9728-5ff1a0a20d65" providerId="ADAL" clId="{DC144796-05B1-4D6C-A3D7-AFC9932FDE32}" dt="2020-03-18T18:44:41.543" v="1203" actId="478"/>
+          <ac:spMkLst>
+            <pc:docMk/>
+            <pc:sldMk cId="941885448" sldId="509"/>
+            <ac:spMk id="22" creationId="{B7E51456-5F44-45C8-91A1-06FF13F98914}"/>
+          </ac:spMkLst>
+        </pc:spChg>
+      </pc:sldChg>
+      <pc:sldChg chg="add del">
+        <pc:chgData name="Erik Král" userId="e92e8e71-05aa-4c44-9728-5ff1a0a20d65" providerId="ADAL" clId="{DC144796-05B1-4D6C-A3D7-AFC9932FDE32}" dt="2020-03-18T18:11:41.698" v="1163" actId="2696"/>
+        <pc:sldMkLst>
+          <pc:docMk/>
+          <pc:sldMk cId="1518686603" sldId="509"/>
+        </pc:sldMkLst>
+      </pc:sldChg>
+      <pc:sldChg chg="addSp delSp modSp add">
+        <pc:chgData name="Erik Král" userId="e92e8e71-05aa-4c44-9728-5ff1a0a20d65" providerId="ADAL" clId="{DC144796-05B1-4D6C-A3D7-AFC9932FDE32}" dt="2020-03-18T18:46:16.018" v="1216" actId="478"/>
+        <pc:sldMkLst>
+          <pc:docMk/>
+          <pc:sldMk cId="1521583554" sldId="510"/>
+        </pc:sldMkLst>
+        <pc:spChg chg="mod">
+          <ac:chgData name="Erik Král" userId="e92e8e71-05aa-4c44-9728-5ff1a0a20d65" providerId="ADAL" clId="{DC144796-05B1-4D6C-A3D7-AFC9932FDE32}" dt="2020-03-18T18:45:06.192" v="1204" actId="207"/>
+          <ac:spMkLst>
+            <pc:docMk/>
+            <pc:sldMk cId="1521583554" sldId="510"/>
+            <ac:spMk id="7" creationId="{EDE71F8D-78A4-4DF8-B31A-6073D6CECE30}"/>
+          </ac:spMkLst>
+        </pc:spChg>
+        <pc:spChg chg="del">
+          <ac:chgData name="Erik Král" userId="e92e8e71-05aa-4c44-9728-5ff1a0a20d65" providerId="ADAL" clId="{DC144796-05B1-4D6C-A3D7-AFC9932FDE32}" dt="2020-03-18T18:46:16.018" v="1216" actId="478"/>
+          <ac:spMkLst>
+            <pc:docMk/>
+            <pc:sldMk cId="1521583554" sldId="510"/>
+            <ac:spMk id="21" creationId="{E61A8C46-6056-423B-9947-94120B074273}"/>
+          </ac:spMkLst>
+        </pc:spChg>
+        <pc:spChg chg="del">
+          <ac:chgData name="Erik Král" userId="e92e8e71-05aa-4c44-9728-5ff1a0a20d65" providerId="ADAL" clId="{DC144796-05B1-4D6C-A3D7-AFC9932FDE32}" dt="2020-03-18T18:46:16.018" v="1216" actId="478"/>
+          <ac:spMkLst>
+            <pc:docMk/>
+            <pc:sldMk cId="1521583554" sldId="510"/>
+            <ac:spMk id="22" creationId="{B7E51456-5F44-45C8-91A1-06FF13F98914}"/>
+          </ac:spMkLst>
+        </pc:spChg>
+        <pc:cxnChg chg="add mod">
+          <ac:chgData name="Erik Král" userId="e92e8e71-05aa-4c44-9728-5ff1a0a20d65" providerId="ADAL" clId="{DC144796-05B1-4D6C-A3D7-AFC9932FDE32}" dt="2020-03-18T18:45:49.275" v="1212" actId="1076"/>
+          <ac:cxnSpMkLst>
+            <pc:docMk/>
+            <pc:sldMk cId="1521583554" sldId="510"/>
+            <ac:cxnSpMk id="4" creationId="{7009C674-E81F-4603-9A6F-BDF9DBB3DC5F}"/>
+          </ac:cxnSpMkLst>
+        </pc:cxnChg>
+      </pc:sldChg>
+      <pc:sldChg chg="delSp modSp add">
+        <pc:chgData name="Erik Král" userId="e92e8e71-05aa-4c44-9728-5ff1a0a20d65" providerId="ADAL" clId="{DC144796-05B1-4D6C-A3D7-AFC9932FDE32}" dt="2020-03-18T18:47:05.953" v="1226" actId="20577"/>
+        <pc:sldMkLst>
+          <pc:docMk/>
+          <pc:sldMk cId="3444819686" sldId="511"/>
+        </pc:sldMkLst>
+        <pc:spChg chg="mod">
+          <ac:chgData name="Erik Král" userId="e92e8e71-05aa-4c44-9728-5ff1a0a20d65" providerId="ADAL" clId="{DC144796-05B1-4D6C-A3D7-AFC9932FDE32}" dt="2020-03-18T18:46:33.217" v="1218" actId="207"/>
+          <ac:spMkLst>
+            <pc:docMk/>
+            <pc:sldMk cId="3444819686" sldId="511"/>
+            <ac:spMk id="7" creationId="{EDE71F8D-78A4-4DF8-B31A-6073D6CECE30}"/>
+          </ac:spMkLst>
+        </pc:spChg>
+        <pc:spChg chg="mod">
+          <ac:chgData name="Erik Král" userId="e92e8e71-05aa-4c44-9728-5ff1a0a20d65" providerId="ADAL" clId="{DC144796-05B1-4D6C-A3D7-AFC9932FDE32}" dt="2020-03-18T18:46:46.980" v="1222" actId="20577"/>
+          <ac:spMkLst>
+            <pc:docMk/>
+            <pc:sldMk cId="3444819686" sldId="511"/>
+            <ac:spMk id="21" creationId="{E61A8C46-6056-423B-9947-94120B074273}"/>
+          </ac:spMkLst>
+        </pc:spChg>
+        <pc:spChg chg="mod">
+          <ac:chgData name="Erik Král" userId="e92e8e71-05aa-4c44-9728-5ff1a0a20d65" providerId="ADAL" clId="{DC144796-05B1-4D6C-A3D7-AFC9932FDE32}" dt="2020-03-18T18:47:05.953" v="1226" actId="20577"/>
+          <ac:spMkLst>
+            <pc:docMk/>
+            <pc:sldMk cId="3444819686" sldId="511"/>
+            <ac:spMk id="22" creationId="{B7E51456-5F44-45C8-91A1-06FF13F98914}"/>
+          </ac:spMkLst>
+        </pc:spChg>
+        <pc:cxnChg chg="del">
+          <ac:chgData name="Erik Král" userId="e92e8e71-05aa-4c44-9728-5ff1a0a20d65" providerId="ADAL" clId="{DC144796-05B1-4D6C-A3D7-AFC9932FDE32}" dt="2020-03-18T18:46:03.003" v="1214" actId="478"/>
+          <ac:cxnSpMkLst>
+            <pc:docMk/>
+            <pc:sldMk cId="3444819686" sldId="511"/>
+            <ac:cxnSpMk id="4" creationId="{7009C674-E81F-4603-9A6F-BDF9DBB3DC5F}"/>
+          </ac:cxnSpMkLst>
+        </pc:cxnChg>
+      </pc:sldChg>
+      <pc:sldChg chg="addSp modSp add ord">
+        <pc:chgData name="Erik Král" userId="e92e8e71-05aa-4c44-9728-5ff1a0a20d65" providerId="ADAL" clId="{DC144796-05B1-4D6C-A3D7-AFC9932FDE32}" dt="2020-03-18T18:51:48.590" v="1239"/>
+        <pc:sldMkLst>
+          <pc:docMk/>
+          <pc:sldMk cId="754632777" sldId="512"/>
+        </pc:sldMkLst>
+        <pc:spChg chg="mod">
+          <ac:chgData name="Erik Král" userId="e92e8e71-05aa-4c44-9728-5ff1a0a20d65" providerId="ADAL" clId="{DC144796-05B1-4D6C-A3D7-AFC9932FDE32}" dt="2020-03-18T18:47:10.555" v="1228" actId="20577"/>
+          <ac:spMkLst>
+            <pc:docMk/>
+            <pc:sldMk cId="754632777" sldId="512"/>
+            <ac:spMk id="22" creationId="{B7E51456-5F44-45C8-91A1-06FF13F98914}"/>
+          </ac:spMkLst>
+        </pc:spChg>
+        <pc:cxnChg chg="add mod">
+          <ac:chgData name="Erik Král" userId="e92e8e71-05aa-4c44-9728-5ff1a0a20d65" providerId="ADAL" clId="{DC144796-05B1-4D6C-A3D7-AFC9932FDE32}" dt="2020-03-18T18:51:37.226" v="1237" actId="1076"/>
+          <ac:cxnSpMkLst>
+            <pc:docMk/>
+            <pc:sldMk cId="754632777" sldId="512"/>
+            <ac:cxnSpMk id="11" creationId="{9749D948-91B6-4C24-86DA-96EAAB6D6F43}"/>
+          </ac:cxnSpMkLst>
+        </pc:cxnChg>
+        <pc:cxnChg chg="add mod">
+          <ac:chgData name="Erik Král" userId="e92e8e71-05aa-4c44-9728-5ff1a0a20d65" providerId="ADAL" clId="{DC144796-05B1-4D6C-A3D7-AFC9932FDE32}" dt="2020-03-18T18:51:37.226" v="1237" actId="1076"/>
+          <ac:cxnSpMkLst>
+            <pc:docMk/>
+            <pc:sldMk cId="754632777" sldId="512"/>
+            <ac:cxnSpMk id="12" creationId="{3BC92B5D-39C6-41B4-A36B-541BEEC7C40C}"/>
+          </ac:cxnSpMkLst>
+        </pc:cxnChg>
+        <pc:cxnChg chg="add">
+          <ac:chgData name="Erik Král" userId="e92e8e71-05aa-4c44-9728-5ff1a0a20d65" providerId="ADAL" clId="{DC144796-05B1-4D6C-A3D7-AFC9932FDE32}" dt="2020-03-18T18:51:48.590" v="1239"/>
+          <ac:cxnSpMkLst>
+            <pc:docMk/>
+            <pc:sldMk cId="754632777" sldId="512"/>
+            <ac:cxnSpMk id="13" creationId="{43071B1E-3B53-4EDF-AF49-A683023E29BC}"/>
+          </ac:cxnSpMkLst>
+        </pc:cxnChg>
+      </pc:sldChg>
+      <pc:sldChg chg="addSp delSp modSp add">
+        <pc:chgData name="Erik Král" userId="e92e8e71-05aa-4c44-9728-5ff1a0a20d65" providerId="ADAL" clId="{DC144796-05B1-4D6C-A3D7-AFC9932FDE32}" dt="2020-03-18T18:51:46.580" v="1238"/>
+        <pc:sldMkLst>
+          <pc:docMk/>
+          <pc:sldMk cId="971577285" sldId="513"/>
+        </pc:sldMkLst>
+        <pc:spChg chg="mod">
+          <ac:chgData name="Erik Král" userId="e92e8e71-05aa-4c44-9728-5ff1a0a20d65" providerId="ADAL" clId="{DC144796-05B1-4D6C-A3D7-AFC9932FDE32}" dt="2020-03-18T18:50:35.230" v="1230" actId="207"/>
+          <ac:spMkLst>
+            <pc:docMk/>
+            <pc:sldMk cId="971577285" sldId="513"/>
+            <ac:spMk id="7" creationId="{EDE71F8D-78A4-4DF8-B31A-6073D6CECE30}"/>
+          </ac:spMkLst>
+        </pc:spChg>
+        <pc:spChg chg="mod">
+          <ac:chgData name="Erik Král" userId="e92e8e71-05aa-4c44-9728-5ff1a0a20d65" providerId="ADAL" clId="{DC144796-05B1-4D6C-A3D7-AFC9932FDE32}" dt="2020-03-18T18:50:42.382" v="1231" actId="207"/>
+          <ac:spMkLst>
+            <pc:docMk/>
+            <pc:sldMk cId="971577285" sldId="513"/>
+            <ac:spMk id="22" creationId="{B7E51456-5F44-45C8-91A1-06FF13F98914}"/>
+          </ac:spMkLst>
+        </pc:spChg>
+        <pc:cxnChg chg="add del mod">
+          <ac:chgData name="Erik Král" userId="e92e8e71-05aa-4c44-9728-5ff1a0a20d65" providerId="ADAL" clId="{DC144796-05B1-4D6C-A3D7-AFC9932FDE32}" dt="2020-03-18T18:51:46.580" v="1238"/>
+          <ac:cxnSpMkLst>
+            <pc:docMk/>
+            <pc:sldMk cId="971577285" sldId="513"/>
+            <ac:cxnSpMk id="11" creationId="{F2200D30-ACA5-4482-BB06-D655C54092EC}"/>
+          </ac:cxnSpMkLst>
+        </pc:cxnChg>
+      </pc:sldChg>
+      <pc:sldChg chg="delSp modSp add">
+        <pc:chgData name="Erik Král" userId="e92e8e71-05aa-4c44-9728-5ff1a0a20d65" providerId="ADAL" clId="{DC144796-05B1-4D6C-A3D7-AFC9932FDE32}" dt="2020-03-18T18:52:37.816" v="1250" actId="207"/>
+        <pc:sldMkLst>
+          <pc:docMk/>
+          <pc:sldMk cId="363518735" sldId="514"/>
+        </pc:sldMkLst>
+        <pc:spChg chg="mod">
+          <ac:chgData name="Erik Král" userId="e92e8e71-05aa-4c44-9728-5ff1a0a20d65" providerId="ADAL" clId="{DC144796-05B1-4D6C-A3D7-AFC9932FDE32}" dt="2020-03-18T18:52:33.913" v="1249" actId="207"/>
+          <ac:spMkLst>
+            <pc:docMk/>
+            <pc:sldMk cId="363518735" sldId="514"/>
+            <ac:spMk id="7" creationId="{EDE71F8D-78A4-4DF8-B31A-6073D6CECE30}"/>
+          </ac:spMkLst>
+        </pc:spChg>
+        <pc:spChg chg="mod">
+          <ac:chgData name="Erik Král" userId="e92e8e71-05aa-4c44-9728-5ff1a0a20d65" providerId="ADAL" clId="{DC144796-05B1-4D6C-A3D7-AFC9932FDE32}" dt="2020-03-18T18:52:37.816" v="1250" actId="207"/>
+          <ac:spMkLst>
+            <pc:docMk/>
+            <pc:sldMk cId="363518735" sldId="514"/>
+            <ac:spMk id="9" creationId="{BC670A61-036B-44F4-AE9C-10FC6D63E78D}"/>
+          </ac:spMkLst>
+        </pc:spChg>
+        <pc:spChg chg="del">
+          <ac:chgData name="Erik Král" userId="e92e8e71-05aa-4c44-9728-5ff1a0a20d65" providerId="ADAL" clId="{DC144796-05B1-4D6C-A3D7-AFC9932FDE32}" dt="2020-03-18T18:52:11.213" v="1241" actId="478"/>
+          <ac:spMkLst>
+            <pc:docMk/>
+            <pc:sldMk cId="363518735" sldId="514"/>
+            <ac:spMk id="21" creationId="{E61A8C46-6056-423B-9947-94120B074273}"/>
+          </ac:spMkLst>
+        </pc:spChg>
+        <pc:spChg chg="mod">
+          <ac:chgData name="Erik Král" userId="e92e8e71-05aa-4c44-9728-5ff1a0a20d65" providerId="ADAL" clId="{DC144796-05B1-4D6C-A3D7-AFC9932FDE32}" dt="2020-03-18T18:52:14.518" v="1243" actId="20577"/>
+          <ac:spMkLst>
+            <pc:docMk/>
+            <pc:sldMk cId="363518735" sldId="514"/>
+            <ac:spMk id="22" creationId="{B7E51456-5F44-45C8-91A1-06FF13F98914}"/>
+          </ac:spMkLst>
+        </pc:spChg>
+      </pc:sldChg>
+      <pc:sldChg chg="modSp add">
+        <pc:chgData name="Erik Král" userId="e92e8e71-05aa-4c44-9728-5ff1a0a20d65" providerId="ADAL" clId="{DC144796-05B1-4D6C-A3D7-AFC9932FDE32}" dt="2020-03-18T18:53:45.264" v="1275" actId="20577"/>
+        <pc:sldMkLst>
+          <pc:docMk/>
+          <pc:sldMk cId="3772645332" sldId="515"/>
+        </pc:sldMkLst>
+        <pc:spChg chg="mod">
+          <ac:chgData name="Erik Král" userId="e92e8e71-05aa-4c44-9728-5ff1a0a20d65" providerId="ADAL" clId="{DC144796-05B1-4D6C-A3D7-AFC9932FDE32}" dt="2020-03-18T18:53:16.058" v="1262" actId="207"/>
+          <ac:spMkLst>
+            <pc:docMk/>
+            <pc:sldMk cId="3772645332" sldId="515"/>
+            <ac:spMk id="7" creationId="{EDE71F8D-78A4-4DF8-B31A-6073D6CECE30}"/>
+          </ac:spMkLst>
+        </pc:spChg>
+        <pc:spChg chg="mod">
+          <ac:chgData name="Erik Král" userId="e92e8e71-05aa-4c44-9728-5ff1a0a20d65" providerId="ADAL" clId="{DC144796-05B1-4D6C-A3D7-AFC9932FDE32}" dt="2020-03-18T18:53:45.264" v="1275" actId="20577"/>
+          <ac:spMkLst>
+            <pc:docMk/>
+            <pc:sldMk cId="3772645332" sldId="515"/>
+            <ac:spMk id="9" creationId="{BC670A61-036B-44F4-AE9C-10FC6D63E78D}"/>
+          </ac:spMkLst>
+        </pc:spChg>
+        <pc:spChg chg="mod">
+          <ac:chgData name="Erik Král" userId="e92e8e71-05aa-4c44-9728-5ff1a0a20d65" providerId="ADAL" clId="{DC144796-05B1-4D6C-A3D7-AFC9932FDE32}" dt="2020-03-18T18:53:19.308" v="1263" actId="207"/>
+          <ac:spMkLst>
+            <pc:docMk/>
+            <pc:sldMk cId="3772645332" sldId="515"/>
+            <ac:spMk id="21" creationId="{E61A8C46-6056-423B-9947-94120B074273}"/>
+          </ac:spMkLst>
+        </pc:spChg>
+        <pc:spChg chg="mod">
+          <ac:chgData name="Erik Král" userId="e92e8e71-05aa-4c44-9728-5ff1a0a20d65" providerId="ADAL" clId="{DC144796-05B1-4D6C-A3D7-AFC9932FDE32}" dt="2020-03-18T18:53:19.308" v="1263" actId="207"/>
+          <ac:spMkLst>
+            <pc:docMk/>
+            <pc:sldMk cId="3772645332" sldId="515"/>
+            <ac:spMk id="22" creationId="{B7E51456-5F44-45C8-91A1-06FF13F98914}"/>
+          </ac:spMkLst>
+        </pc:spChg>
+      </pc:sldChg>
+      <pc:sldChg chg="delSp modSp add">
+        <pc:chgData name="Erik Král" userId="e92e8e71-05aa-4c44-9728-5ff1a0a20d65" providerId="ADAL" clId="{DC144796-05B1-4D6C-A3D7-AFC9932FDE32}" dt="2020-03-19T10:14:19.237" v="3014"/>
+        <pc:sldMkLst>
+          <pc:docMk/>
+          <pc:sldMk cId="2766031041" sldId="516"/>
+        </pc:sldMkLst>
+        <pc:spChg chg="mod">
+          <ac:chgData name="Erik Král" userId="e92e8e71-05aa-4c44-9728-5ff1a0a20d65" providerId="ADAL" clId="{DC144796-05B1-4D6C-A3D7-AFC9932FDE32}" dt="2020-03-19T10:14:19.237" v="3014"/>
+          <ac:spMkLst>
+            <pc:docMk/>
+            <pc:sldMk cId="2766031041" sldId="516"/>
+            <ac:spMk id="2" creationId="{04FEC1F5-69F8-4B99-A023-9FB0BC7E7969}"/>
+          </ac:spMkLst>
+        </pc:spChg>
+        <pc:spChg chg="mod">
+          <ac:chgData name="Erik Král" userId="e92e8e71-05aa-4c44-9728-5ff1a0a20d65" providerId="ADAL" clId="{DC144796-05B1-4D6C-A3D7-AFC9932FDE32}" dt="2020-03-19T08:44:46.715" v="2259" actId="20577"/>
+          <ac:spMkLst>
+            <pc:docMk/>
+            <pc:sldMk cId="2766031041" sldId="516"/>
+            <ac:spMk id="3" creationId="{2179108C-9991-444B-80F4-D3803C0D2300}"/>
+          </ac:spMkLst>
+        </pc:spChg>
+        <pc:spChg chg="del">
+          <ac:chgData name="Erik Král" userId="e92e8e71-05aa-4c44-9728-5ff1a0a20d65" providerId="ADAL" clId="{DC144796-05B1-4D6C-A3D7-AFC9932FDE32}" dt="2020-03-18T18:55:12.011" v="1330" actId="478"/>
+          <ac:spMkLst>
+            <pc:docMk/>
+            <pc:sldMk cId="2766031041" sldId="516"/>
+            <ac:spMk id="4" creationId="{EB09FFA8-BE6C-4260-ACBC-3766A20527DC}"/>
+          </ac:spMkLst>
+        </pc:spChg>
+      </pc:sldChg>
+      <pc:sldChg chg="add del">
+        <pc:chgData name="Erik Král" userId="e92e8e71-05aa-4c44-9728-5ff1a0a20d65" providerId="ADAL" clId="{DC144796-05B1-4D6C-A3D7-AFC9932FDE32}" dt="2020-03-18T18:53:32.124" v="1266" actId="2696"/>
+        <pc:sldMkLst>
+          <pc:docMk/>
+          <pc:sldMk cId="3250075868" sldId="516"/>
+        </pc:sldMkLst>
+      </pc:sldChg>
+      <pc:sldChg chg="add del">
+        <pc:chgData name="Erik Král" userId="e92e8e71-05aa-4c44-9728-5ff1a0a20d65" providerId="ADAL" clId="{DC144796-05B1-4D6C-A3D7-AFC9932FDE32}" dt="2020-03-18T18:53:27.148" v="1265" actId="2696"/>
+        <pc:sldMkLst>
+          <pc:docMk/>
+          <pc:sldMk cId="696132298" sldId="517"/>
+        </pc:sldMkLst>
+      </pc:sldChg>
+      <pc:sldChg chg="addSp delSp modSp add">
+        <pc:chgData name="Erik Král" userId="e92e8e71-05aa-4c44-9728-5ff1a0a20d65" providerId="ADAL" clId="{DC144796-05B1-4D6C-A3D7-AFC9932FDE32}" dt="2020-03-19T10:14:27.375" v="3016" actId="114"/>
+        <pc:sldMkLst>
+          <pc:docMk/>
+          <pc:sldMk cId="3148744887" sldId="517"/>
+        </pc:sldMkLst>
+        <pc:spChg chg="del">
+          <ac:chgData name="Erik Král" userId="e92e8e71-05aa-4c44-9728-5ff1a0a20d65" providerId="ADAL" clId="{DC144796-05B1-4D6C-A3D7-AFC9932FDE32}" dt="2020-03-18T18:55:20.822" v="1332"/>
+          <ac:spMkLst>
+            <pc:docMk/>
+            <pc:sldMk cId="3148744887" sldId="517"/>
+            <ac:spMk id="2" creationId="{C0AC1BFA-E154-4736-A813-154E2B1E8287}"/>
+          </ac:spMkLst>
+        </pc:spChg>
+        <pc:spChg chg="del">
+          <ac:chgData name="Erik Král" userId="e92e8e71-05aa-4c44-9728-5ff1a0a20d65" providerId="ADAL" clId="{DC144796-05B1-4D6C-A3D7-AFC9932FDE32}" dt="2020-03-18T18:55:20.822" v="1332"/>
+          <ac:spMkLst>
+            <pc:docMk/>
+            <pc:sldMk cId="3148744887" sldId="517"/>
+            <ac:spMk id="3" creationId="{F47B1FBB-FE10-437A-AD36-D17A3EABB65D}"/>
+          </ac:spMkLst>
+        </pc:spChg>
+        <pc:spChg chg="del">
+          <ac:chgData name="Erik Král" userId="e92e8e71-05aa-4c44-9728-5ff1a0a20d65" providerId="ADAL" clId="{DC144796-05B1-4D6C-A3D7-AFC9932FDE32}" dt="2020-03-18T18:55:26.772" v="1333" actId="478"/>
+          <ac:spMkLst>
+            <pc:docMk/>
+            <pc:sldMk cId="3148744887" sldId="517"/>
+            <ac:spMk id="4" creationId="{2CACDDB1-9453-410A-86E6-8691BF47079C}"/>
+          </ac:spMkLst>
+        </pc:spChg>
+        <pc:spChg chg="add mod">
+          <ac:chgData name="Erik Král" userId="e92e8e71-05aa-4c44-9728-5ff1a0a20d65" providerId="ADAL" clId="{DC144796-05B1-4D6C-A3D7-AFC9932FDE32}" dt="2020-03-19T10:14:23.346" v="3015"/>
+          <ac:spMkLst>
+            <pc:docMk/>
+            <pc:sldMk cId="3148744887" sldId="517"/>
+            <ac:spMk id="6" creationId="{E18911F4-6415-493F-8557-906BB0DAEFB6}"/>
+          </ac:spMkLst>
+        </pc:spChg>
+        <pc:spChg chg="add mod">
+          <ac:chgData name="Erik Král" userId="e92e8e71-05aa-4c44-9728-5ff1a0a20d65" providerId="ADAL" clId="{DC144796-05B1-4D6C-A3D7-AFC9932FDE32}" dt="2020-03-19T10:14:27.375" v="3016" actId="114"/>
+          <ac:spMkLst>
+            <pc:docMk/>
+            <pc:sldMk cId="3148744887" sldId="517"/>
+            <ac:spMk id="7" creationId="{CE0E1C2A-F8E4-4378-9E71-E9BF916385FA}"/>
+          </ac:spMkLst>
+        </pc:spChg>
+      </pc:sldChg>
+      <pc:sldChg chg="addSp delSp modSp add">
+        <pc:chgData name="Erik Král" userId="e92e8e71-05aa-4c44-9728-5ff1a0a20d65" providerId="ADAL" clId="{DC144796-05B1-4D6C-A3D7-AFC9932FDE32}" dt="2020-03-19T10:14:33.452" v="3017" actId="114"/>
+        <pc:sldMkLst>
+          <pc:docMk/>
+          <pc:sldMk cId="316200325" sldId="518"/>
+        </pc:sldMkLst>
+        <pc:spChg chg="add del mod">
+          <ac:chgData name="Erik Král" userId="e92e8e71-05aa-4c44-9728-5ff1a0a20d65" providerId="ADAL" clId="{DC144796-05B1-4D6C-A3D7-AFC9932FDE32}" dt="2020-03-19T08:46:37.852" v="2270" actId="478"/>
+          <ac:spMkLst>
+            <pc:docMk/>
+            <pc:sldMk cId="316200325" sldId="518"/>
+            <ac:spMk id="2" creationId="{B7FAD8A1-C023-490C-9584-ED5458048026}"/>
+          </ac:spMkLst>
+        </pc:spChg>
+        <pc:spChg chg="add mod">
+          <ac:chgData name="Erik Král" userId="e92e8e71-05aa-4c44-9728-5ff1a0a20d65" providerId="ADAL" clId="{DC144796-05B1-4D6C-A3D7-AFC9932FDE32}" dt="2020-03-19T08:52:12.340" v="2849" actId="1076"/>
+          <ac:spMkLst>
+            <pc:docMk/>
+            <pc:sldMk cId="316200325" sldId="518"/>
+            <ac:spMk id="3" creationId="{F30D6D40-5D87-4F0C-BC3D-384C43B37BE4}"/>
+          </ac:spMkLst>
+        </pc:spChg>
+        <pc:spChg chg="mod">
+          <ac:chgData name="Erik Král" userId="e92e8e71-05aa-4c44-9728-5ff1a0a20d65" providerId="ADAL" clId="{DC144796-05B1-4D6C-A3D7-AFC9932FDE32}" dt="2020-03-19T10:14:33.452" v="3017" actId="114"/>
+          <ac:spMkLst>
+            <pc:docMk/>
+            <pc:sldMk cId="316200325" sldId="518"/>
+            <ac:spMk id="7" creationId="{CE0E1C2A-F8E4-4378-9E71-E9BF916385FA}"/>
+          </ac:spMkLst>
+        </pc:spChg>
+      </pc:sldChg>
+      <pc:sldChg chg="addSp delSp modSp add">
+        <pc:chgData name="Erik Král" userId="e92e8e71-05aa-4c44-9728-5ff1a0a20d65" providerId="ADAL" clId="{DC144796-05B1-4D6C-A3D7-AFC9932FDE32}" dt="2020-03-19T10:14:38.143" v="3018" actId="114"/>
+        <pc:sldMkLst>
+          <pc:docMk/>
+          <pc:sldMk cId="1841249936" sldId="519"/>
+        </pc:sldMkLst>
+        <pc:spChg chg="del">
+          <ac:chgData name="Erik Král" userId="e92e8e71-05aa-4c44-9728-5ff1a0a20d65" providerId="ADAL" clId="{DC144796-05B1-4D6C-A3D7-AFC9932FDE32}" dt="2020-03-19T08:45:48.633" v="2261" actId="478"/>
+          <ac:spMkLst>
+            <pc:docMk/>
+            <pc:sldMk cId="1841249936" sldId="519"/>
+            <ac:spMk id="2" creationId="{B7FAD8A1-C023-490C-9584-ED5458048026}"/>
+          </ac:spMkLst>
+        </pc:spChg>
+        <pc:spChg chg="add mod">
+          <ac:chgData name="Erik Král" userId="e92e8e71-05aa-4c44-9728-5ff1a0a20d65" providerId="ADAL" clId="{DC144796-05B1-4D6C-A3D7-AFC9932FDE32}" dt="2020-03-19T08:51:39.255" v="2847" actId="1076"/>
+          <ac:spMkLst>
+            <pc:docMk/>
+            <pc:sldMk cId="1841249936" sldId="519"/>
+            <ac:spMk id="3" creationId="{D690F3C7-6DA1-4DB7-990D-D3FBF0068E31}"/>
+          </ac:spMkLst>
+        </pc:spChg>
+        <pc:spChg chg="mod">
+          <ac:chgData name="Erik Král" userId="e92e8e71-05aa-4c44-9728-5ff1a0a20d65" providerId="ADAL" clId="{DC144796-05B1-4D6C-A3D7-AFC9932FDE32}" dt="2020-03-19T08:48:21.236" v="2529" actId="20577"/>
+          <ac:spMkLst>
+            <pc:docMk/>
+            <pc:sldMk cId="1841249936" sldId="519"/>
+            <ac:spMk id="6" creationId="{E18911F4-6415-493F-8557-906BB0DAEFB6}"/>
+          </ac:spMkLst>
+        </pc:spChg>
+        <pc:spChg chg="mod">
+          <ac:chgData name="Erik Král" userId="e92e8e71-05aa-4c44-9728-5ff1a0a20d65" providerId="ADAL" clId="{DC144796-05B1-4D6C-A3D7-AFC9932FDE32}" dt="2020-03-19T10:14:38.143" v="3018" actId="114"/>
+          <ac:spMkLst>
+            <pc:docMk/>
+            <pc:sldMk cId="1841249936" sldId="519"/>
+            <ac:spMk id="7" creationId="{CE0E1C2A-F8E4-4378-9E71-E9BF916385FA}"/>
+          </ac:spMkLst>
+        </pc:spChg>
+      </pc:sldChg>
+      <pc:sldChg chg="addSp delSp modSp add">
+        <pc:chgData name="Erik Král" userId="e92e8e71-05aa-4c44-9728-5ff1a0a20d65" providerId="ADAL" clId="{DC144796-05B1-4D6C-A3D7-AFC9932FDE32}" dt="2020-03-19T08:51:18.432" v="2845" actId="1076"/>
+        <pc:sldMkLst>
+          <pc:docMk/>
+          <pc:sldMk cId="58076840" sldId="520"/>
+        </pc:sldMkLst>
+        <pc:spChg chg="add mod">
+          <ac:chgData name="Erik Král" userId="e92e8e71-05aa-4c44-9728-5ff1a0a20d65" providerId="ADAL" clId="{DC144796-05B1-4D6C-A3D7-AFC9932FDE32}" dt="2020-03-19T08:51:18.432" v="2845" actId="1076"/>
+          <ac:spMkLst>
+            <pc:docMk/>
+            <pc:sldMk cId="58076840" sldId="520"/>
+            <ac:spMk id="2" creationId="{8B52D2A8-9566-4CD0-91F4-F527244BFD37}"/>
+          </ac:spMkLst>
+        </pc:spChg>
+        <pc:spChg chg="del">
+          <ac:chgData name="Erik Král" userId="e92e8e71-05aa-4c44-9728-5ff1a0a20d65" providerId="ADAL" clId="{DC144796-05B1-4D6C-A3D7-AFC9932FDE32}" dt="2020-03-19T08:49:25.439" v="2539" actId="478"/>
+          <ac:spMkLst>
+            <pc:docMk/>
+            <pc:sldMk cId="58076840" sldId="520"/>
+            <ac:spMk id="3" creationId="{D690F3C7-6DA1-4DB7-990D-D3FBF0068E31}"/>
+          </ac:spMkLst>
+        </pc:spChg>
+        <pc:spChg chg="mod">
+          <ac:chgData name="Erik Král" userId="e92e8e71-05aa-4c44-9728-5ff1a0a20d65" providerId="ADAL" clId="{DC144796-05B1-4D6C-A3D7-AFC9932FDE32}" dt="2020-03-19T08:48:28.598" v="2538" actId="20577"/>
+          <ac:spMkLst>
+            <pc:docMk/>
+            <pc:sldMk cId="58076840" sldId="520"/>
+            <ac:spMk id="6" creationId="{E18911F4-6415-493F-8557-906BB0DAEFB6}"/>
+          </ac:spMkLst>
+        </pc:spChg>
+        <pc:spChg chg="mod">
+          <ac:chgData name="Erik Král" userId="e92e8e71-05aa-4c44-9728-5ff1a0a20d65" providerId="ADAL" clId="{DC144796-05B1-4D6C-A3D7-AFC9932FDE32}" dt="2020-03-19T08:50:51.415" v="2841" actId="20577"/>
+          <ac:spMkLst>
+            <pc:docMk/>
+            <pc:sldMk cId="58076840" sldId="520"/>
+            <ac:spMk id="7" creationId="{CE0E1C2A-F8E4-4378-9E71-E9BF916385FA}"/>
+          </ac:spMkLst>
+        </pc:spChg>
+      </pc:sldChg>
+    </pc:docChg>
+  </pc:docChgLst>
 </pc:chgInfo>
 </file>
 
@@ -4342,7 +4335,7 @@
           <a:p>
             <a:fld id="{78D9B9CC-48FD-46F0-BE95-57B0AFA539FB}" type="datetimeFigureOut">
               <a:rPr lang="cs-CZ" smtClean="0"/>
-              <a:t>25.03.2020</a:t>
+              <a:t>12.09.2024</a:t>
             </a:fld>
             <a:endParaRPr lang="cs-CZ"/>
           </a:p>
@@ -4508,7 +4501,7 @@
           <a:p>
             <a:fld id="{36B19B4E-FAE7-4854-9018-49E74BACA333}" type="datetimeFigureOut">
               <a:rPr lang="cs-CZ" smtClean="0"/>
-              <a:t>25.03.2020</a:t>
+              <a:t>12.09.2024</a:t>
             </a:fld>
             <a:endParaRPr lang="cs-CZ"/>
           </a:p>
@@ -5090,7 +5083,7 @@
           <a:p>
             <a:fld id="{2A00D43F-1BD7-40AF-BDDD-E07D0899E91B}" type="datetime1">
               <a:rPr lang="cs-CZ" smtClean="0"/>
-              <a:t>25.03.2020</a:t>
+              <a:t>12.09.2024</a:t>
             </a:fld>
             <a:endParaRPr lang="cs-CZ"/>
           </a:p>
@@ -5263,7 +5256,7 @@
           <a:p>
             <a:fld id="{031414FA-42EF-40A4-8A89-50638B7D11A5}" type="datetime1">
               <a:rPr lang="cs-CZ" smtClean="0"/>
-              <a:t>25.03.2020</a:t>
+              <a:t>12.09.2024</a:t>
             </a:fld>
             <a:endParaRPr lang="cs-CZ"/>
           </a:p>
@@ -5446,7 +5439,7 @@
           <a:p>
             <a:fld id="{D600A421-0954-421A-BA49-D9588F09156A}" type="datetime1">
               <a:rPr lang="cs-CZ" smtClean="0"/>
-              <a:t>25.03.2020</a:t>
+              <a:t>12.09.2024</a:t>
             </a:fld>
             <a:endParaRPr lang="cs-CZ"/>
           </a:p>
@@ -5619,7 +5612,7 @@
           <a:p>
             <a:fld id="{C8CFF63A-F393-47F6-B534-43E800AB7445}" type="datetime1">
               <a:rPr lang="cs-CZ" smtClean="0"/>
-              <a:t>25.03.2020</a:t>
+              <a:t>12.09.2024</a:t>
             </a:fld>
             <a:endParaRPr lang="cs-CZ"/>
           </a:p>
@@ -5868,7 +5861,7 @@
           <a:p>
             <a:fld id="{C350E0D1-8410-4A3F-84E8-26742A190F02}" type="datetime1">
               <a:rPr lang="cs-CZ" smtClean="0"/>
-              <a:t>25.03.2020</a:t>
+              <a:t>12.09.2024</a:t>
             </a:fld>
             <a:endParaRPr lang="cs-CZ"/>
           </a:p>
@@ -6159,7 +6152,7 @@
           <a:p>
             <a:fld id="{75EC03C0-EDEF-418C-841F-64E45E8364A7}" type="datetime1">
               <a:rPr lang="cs-CZ" smtClean="0"/>
-              <a:t>25.03.2020</a:t>
+              <a:t>12.09.2024</a:t>
             </a:fld>
             <a:endParaRPr lang="cs-CZ"/>
           </a:p>
@@ -6584,7 +6577,7 @@
           <a:p>
             <a:fld id="{38711C53-9D0F-452E-AF59-9817645EC6BC}" type="datetime1">
               <a:rPr lang="cs-CZ" smtClean="0"/>
-              <a:t>25.03.2020</a:t>
+              <a:t>12.09.2024</a:t>
             </a:fld>
             <a:endParaRPr lang="cs-CZ"/>
           </a:p>
@@ -6705,7 +6698,7 @@
           <a:p>
             <a:fld id="{50C35472-8FE8-49A1-A52D-ACC4CFDAC287}" type="datetime1">
               <a:rPr lang="cs-CZ" smtClean="0"/>
-              <a:t>25.03.2020</a:t>
+              <a:t>12.09.2024</a:t>
             </a:fld>
             <a:endParaRPr lang="cs-CZ"/>
           </a:p>
@@ -6803,7 +6796,7 @@
           <a:p>
             <a:fld id="{5982F93C-1D3C-4D9D-B0F9-303D9E71AD6A}" type="datetime1">
               <a:rPr lang="cs-CZ" smtClean="0"/>
-              <a:t>25.03.2020</a:t>
+              <a:t>12.09.2024</a:t>
             </a:fld>
             <a:endParaRPr lang="cs-CZ"/>
           </a:p>
@@ -7083,7 +7076,7 @@
           <a:p>
             <a:fld id="{B3DFFE23-292A-4263-9249-03AA30401FF7}" type="datetime1">
               <a:rPr lang="cs-CZ" smtClean="0"/>
-              <a:t>25.03.2020</a:t>
+              <a:t>12.09.2024</a:t>
             </a:fld>
             <a:endParaRPr lang="cs-CZ"/>
           </a:p>
@@ -7339,7 +7332,7 @@
           <a:p>
             <a:fld id="{CB4C4637-49AD-4C7F-BCB6-1899E8047122}" type="datetime1">
               <a:rPr lang="cs-CZ" smtClean="0"/>
-              <a:t>25.03.2020</a:t>
+              <a:t>12.09.2024</a:t>
             </a:fld>
             <a:endParaRPr lang="cs-CZ"/>
           </a:p>
@@ -7558,7 +7551,7 @@
           <a:p>
             <a:fld id="{7CC2FF82-2179-44E3-B1C8-B30BE6AFE56F}" type="datetime1">
               <a:rPr lang="cs-CZ" smtClean="0"/>
-              <a:t>25.03.2020</a:t>
+              <a:t>12.09.2024</a:t>
             </a:fld>
             <a:endParaRPr lang="cs-CZ"/>
           </a:p>
@@ -18315,12 +18308,8 @@
           <a:lstStyle/>
           <a:p>
             <a:r>
-              <a:rPr lang="en-US" dirty="0" err="1"/>
-              <a:t>Ukazatel</a:t>
-            </a:r>
-            <a:r>
               <a:rPr lang="en-US" dirty="0"/>
-              <a:t> </a:t>
+              <a:t>Ukazatel </a:t>
             </a:r>
             <a:r>
               <a:rPr lang="cs-CZ" dirty="0"/>
@@ -27485,12 +27474,8 @@
           <a:lstStyle/>
           <a:p>
             <a:r>
-              <a:rPr lang="en-US" dirty="0" err="1"/>
-              <a:t>Ukazatel</a:t>
-            </a:r>
-            <a:r>
               <a:rPr lang="en-US" dirty="0"/>
-              <a:t> </a:t>
+              <a:t>Ukazatel </a:t>
             </a:r>
             <a:r>
               <a:rPr lang="cs-CZ" dirty="0"/>

--- a/OPCPP/presentations/02_prezentace_OPR_ukazatele.pptx
+++ b/OPCPP/presentations/02_prezentace_OPR_ukazatele.pptx
@@ -4335,7 +4335,7 @@
           <a:p>
             <a:fld id="{78D9B9CC-48FD-46F0-BE95-57B0AFA539FB}" type="datetimeFigureOut">
               <a:rPr lang="cs-CZ" smtClean="0"/>
-              <a:t>12.09.2024</a:t>
+              <a:t>27.09.2024</a:t>
             </a:fld>
             <a:endParaRPr lang="cs-CZ"/>
           </a:p>
@@ -4501,7 +4501,7 @@
           <a:p>
             <a:fld id="{36B19B4E-FAE7-4854-9018-49E74BACA333}" type="datetimeFigureOut">
               <a:rPr lang="cs-CZ" smtClean="0"/>
-              <a:t>12.09.2024</a:t>
+              <a:t>27.09.2024</a:t>
             </a:fld>
             <a:endParaRPr lang="cs-CZ"/>
           </a:p>
@@ -5083,7 +5083,7 @@
           <a:p>
             <a:fld id="{2A00D43F-1BD7-40AF-BDDD-E07D0899E91B}" type="datetime1">
               <a:rPr lang="cs-CZ" smtClean="0"/>
-              <a:t>12.09.2024</a:t>
+              <a:t>27.09.2024</a:t>
             </a:fld>
             <a:endParaRPr lang="cs-CZ"/>
           </a:p>
@@ -5256,7 +5256,7 @@
           <a:p>
             <a:fld id="{031414FA-42EF-40A4-8A89-50638B7D11A5}" type="datetime1">
               <a:rPr lang="cs-CZ" smtClean="0"/>
-              <a:t>12.09.2024</a:t>
+              <a:t>27.09.2024</a:t>
             </a:fld>
             <a:endParaRPr lang="cs-CZ"/>
           </a:p>
@@ -5439,7 +5439,7 @@
           <a:p>
             <a:fld id="{D600A421-0954-421A-BA49-D9588F09156A}" type="datetime1">
               <a:rPr lang="cs-CZ" smtClean="0"/>
-              <a:t>12.09.2024</a:t>
+              <a:t>27.09.2024</a:t>
             </a:fld>
             <a:endParaRPr lang="cs-CZ"/>
           </a:p>
@@ -5612,7 +5612,7 @@
           <a:p>
             <a:fld id="{C8CFF63A-F393-47F6-B534-43E800AB7445}" type="datetime1">
               <a:rPr lang="cs-CZ" smtClean="0"/>
-              <a:t>12.09.2024</a:t>
+              <a:t>27.09.2024</a:t>
             </a:fld>
             <a:endParaRPr lang="cs-CZ"/>
           </a:p>
@@ -5861,7 +5861,7 @@
           <a:p>
             <a:fld id="{C350E0D1-8410-4A3F-84E8-26742A190F02}" type="datetime1">
               <a:rPr lang="cs-CZ" smtClean="0"/>
-              <a:t>12.09.2024</a:t>
+              <a:t>27.09.2024</a:t>
             </a:fld>
             <a:endParaRPr lang="cs-CZ"/>
           </a:p>
@@ -6152,7 +6152,7 @@
           <a:p>
             <a:fld id="{75EC03C0-EDEF-418C-841F-64E45E8364A7}" type="datetime1">
               <a:rPr lang="cs-CZ" smtClean="0"/>
-              <a:t>12.09.2024</a:t>
+              <a:t>27.09.2024</a:t>
             </a:fld>
             <a:endParaRPr lang="cs-CZ"/>
           </a:p>
@@ -6577,7 +6577,7 @@
           <a:p>
             <a:fld id="{38711C53-9D0F-452E-AF59-9817645EC6BC}" type="datetime1">
               <a:rPr lang="cs-CZ" smtClean="0"/>
-              <a:t>12.09.2024</a:t>
+              <a:t>27.09.2024</a:t>
             </a:fld>
             <a:endParaRPr lang="cs-CZ"/>
           </a:p>
@@ -6698,7 +6698,7 @@
           <a:p>
             <a:fld id="{50C35472-8FE8-49A1-A52D-ACC4CFDAC287}" type="datetime1">
               <a:rPr lang="cs-CZ" smtClean="0"/>
-              <a:t>12.09.2024</a:t>
+              <a:t>27.09.2024</a:t>
             </a:fld>
             <a:endParaRPr lang="cs-CZ"/>
           </a:p>
@@ -6796,7 +6796,7 @@
           <a:p>
             <a:fld id="{5982F93C-1D3C-4D9D-B0F9-303D9E71AD6A}" type="datetime1">
               <a:rPr lang="cs-CZ" smtClean="0"/>
-              <a:t>12.09.2024</a:t>
+              <a:t>27.09.2024</a:t>
             </a:fld>
             <a:endParaRPr lang="cs-CZ"/>
           </a:p>
@@ -7076,7 +7076,7 @@
           <a:p>
             <a:fld id="{B3DFFE23-292A-4263-9249-03AA30401FF7}" type="datetime1">
               <a:rPr lang="cs-CZ" smtClean="0"/>
-              <a:t>12.09.2024</a:t>
+              <a:t>27.09.2024</a:t>
             </a:fld>
             <a:endParaRPr lang="cs-CZ"/>
           </a:p>
@@ -7332,7 +7332,7 @@
           <a:p>
             <a:fld id="{CB4C4637-49AD-4C7F-BCB6-1899E8047122}" type="datetime1">
               <a:rPr lang="cs-CZ" smtClean="0"/>
-              <a:t>12.09.2024</a:t>
+              <a:t>27.09.2024</a:t>
             </a:fld>
             <a:endParaRPr lang="cs-CZ"/>
           </a:p>
@@ -7551,7 +7551,7 @@
           <a:p>
             <a:fld id="{7CC2FF82-2179-44E3-B1C8-B30BE6AFE56F}" type="datetime1">
               <a:rPr lang="cs-CZ" smtClean="0"/>
-              <a:t>12.09.2024</a:t>
+              <a:t>27.09.2024</a:t>
             </a:fld>
             <a:endParaRPr lang="cs-CZ"/>
           </a:p>
@@ -40999,18 +40999,13 @@
           <a:p>
             <a:pPr algn="ctr"/>
             <a:r>
-              <a:rPr lang="en-US" sz="2400" dirty="0">
+              <a:rPr lang="cs-CZ" sz="2400" dirty="0">
                 <a:solidFill>
                   <a:schemeClr val="tx1"/>
                 </a:solidFill>
               </a:rPr>
-              <a:t>1</a:t>
-            </a:r>
-            <a:endParaRPr lang="cs-CZ" sz="2400" dirty="0">
-              <a:solidFill>
-                <a:schemeClr val="tx1"/>
-              </a:solidFill>
-            </a:endParaRPr>
+              <a:t>2</a:t>
+            </a:r>
           </a:p>
         </p:txBody>
       </p:sp>

--- a/OPCPP/presentations/02_prezentace_OPR_ukazatele.pptx
+++ b/OPCPP/presentations/02_prezentace_OPR_ukazatele.pptx
@@ -9400,7 +9400,7 @@
                   <a:schemeClr val="tx1"/>
                 </a:solidFill>
               </a:rPr>
-              <a:t>0</a:t>
+              <a:t>3</a:t>
             </a:r>
           </a:p>
         </p:txBody>
@@ -9968,7 +9968,7 @@
                   <a:schemeClr val="tx1"/>
                 </a:solidFill>
               </a:rPr>
-              <a:t>0</a:t>
+              <a:t>3</a:t>
             </a:r>
           </a:p>
         </p:txBody>
@@ -10432,7 +10432,7 @@
                   <a:schemeClr val="tx1"/>
                 </a:solidFill>
               </a:rPr>
-              <a:t>0</a:t>
+              <a:t>3</a:t>
             </a:r>
           </a:p>
         </p:txBody>
@@ -19620,7 +19620,7 @@
           <a:p>
             <a:r>
               <a:rPr lang="cs-CZ" dirty="0"/>
-              <a:t>Ukazatel v jazyce C a C++ je typ proměnné, která odkazuje pomocí adresu na jiný objekt v paměti RAM.</a:t>
+              <a:t>Ukazatel v jazyce C a C++ je typ proměnné, která odkazuje pomocí adresy na jiný objekt v paměti RAM.</a:t>
             </a:r>
           </a:p>
           <a:p>
